--- a/P_and_G_modified_R.pptx
+++ b/P_and_G_modified_R.pptx
@@ -3034,21 +3034,21 @@
               <a:buFont typeface="Arial" panose="020B0604020202020204" pitchFamily="34" charset="0"/>
               <a:buChar char="•"/>
             </a:pPr>
-            <a:endParaRPr lang="en-US" dirty="0"/>
+            <a:endParaRPr lang="en-US" sz="1700" dirty="0"/>
           </a:p>
           <a:p>
             <a:pPr marL="285750" indent="-285750">
               <a:buFont typeface="Arial" panose="020B0604020202020204" pitchFamily="34" charset="0"/>
               <a:buChar char="•"/>
             </a:pPr>
-            <a:endParaRPr lang="en-US" dirty="0"/>
+            <a:endParaRPr lang="en-US" sz="1700" dirty="0"/>
           </a:p>
           <a:p>
             <a:pPr marL="285750" indent="-285750">
               <a:buFont typeface="Arial" panose="020B0604020202020204" pitchFamily="34" charset="0"/>
               <a:buChar char="•"/>
             </a:pPr>
-            <a:endParaRPr lang="en-US" dirty="0">
+            <a:endParaRPr lang="en-US" sz="1700" dirty="0">
               <a:solidFill>
                 <a:schemeClr val="tx1">
                   <a:lumMod val="95000"/>
@@ -3062,7 +3062,7 @@
               <a:buFont typeface="Arial" panose="020B0604020202020204" pitchFamily="34" charset="0"/>
               <a:buChar char="•"/>
             </a:pPr>
-            <a:endParaRPr lang="en-US" dirty="0">
+            <a:endParaRPr lang="en-US" sz="1700" dirty="0">
               <a:solidFill>
                 <a:schemeClr val="tx1">
                   <a:lumMod val="95000"/>
@@ -3076,7 +3076,7 @@
               <a:buFont typeface="Arial" panose="020B0604020202020204" pitchFamily="34" charset="0"/>
               <a:buChar char="•"/>
             </a:pPr>
-            <a:endParaRPr lang="en-US" dirty="0">
+            <a:endParaRPr lang="en-IN" sz="1700" dirty="0">
               <a:solidFill>
                 <a:schemeClr val="tx1">
                   <a:lumMod val="95000"/>
@@ -3090,7 +3090,7 @@
               <a:buFont typeface="Arial" panose="020B0604020202020204" pitchFamily="34" charset="0"/>
               <a:buChar char="•"/>
             </a:pPr>
-            <a:endParaRPr lang="en-US" dirty="0">
+            <a:endParaRPr lang="en-IN" sz="1700" dirty="0">
               <a:solidFill>
                 <a:schemeClr val="tx1">
                   <a:lumMod val="95000"/>
@@ -3104,8 +3104,78 @@
               <a:buFont typeface="Arial" panose="020B0604020202020204" pitchFamily="34" charset="0"/>
               <a:buChar char="•"/>
             </a:pPr>
-            <a:r>
-              <a:rPr lang="en-US" dirty="0">
+            <a:endParaRPr lang="en-IN" sz="1700" dirty="0">
+              <a:solidFill>
+                <a:schemeClr val="tx1">
+                  <a:lumMod val="95000"/>
+                  <a:lumOff val="5000"/>
+                </a:schemeClr>
+              </a:solidFill>
+            </a:endParaRPr>
+          </a:p>
+          <a:p>
+            <a:pPr marL="285750" indent="-285750">
+              <a:buFont typeface="Arial" panose="020B0604020202020204" pitchFamily="34" charset="0"/>
+              <a:buChar char="•"/>
+            </a:pPr>
+            <a:endParaRPr lang="en-IN" sz="1700" dirty="0">
+              <a:solidFill>
+                <a:schemeClr val="tx1">
+                  <a:lumMod val="95000"/>
+                  <a:lumOff val="5000"/>
+                </a:schemeClr>
+              </a:solidFill>
+            </a:endParaRPr>
+          </a:p>
+          <a:p>
+            <a:pPr marL="285750" indent="-285750">
+              <a:buFont typeface="Arial" panose="020B0604020202020204" pitchFamily="34" charset="0"/>
+              <a:buChar char="•"/>
+            </a:pPr>
+            <a:endParaRPr lang="en-IN" sz="1700" dirty="0">
+              <a:solidFill>
+                <a:schemeClr val="tx1">
+                  <a:lumMod val="95000"/>
+                  <a:lumOff val="5000"/>
+                </a:schemeClr>
+              </a:solidFill>
+            </a:endParaRPr>
+          </a:p>
+          <a:p>
+            <a:pPr marL="285750" indent="-285750">
+              <a:buFont typeface="Arial" panose="020B0604020202020204" pitchFamily="34" charset="0"/>
+              <a:buChar char="•"/>
+            </a:pPr>
+            <a:endParaRPr lang="en-US" sz="1700" dirty="0">
+              <a:solidFill>
+                <a:schemeClr val="tx1">
+                  <a:lumMod val="95000"/>
+                  <a:lumOff val="5000"/>
+                </a:schemeClr>
+              </a:solidFill>
+            </a:endParaRPr>
+          </a:p>
+          <a:p>
+            <a:pPr marL="285750" indent="-285750">
+              <a:buFont typeface="Arial" panose="020B0604020202020204" pitchFamily="34" charset="0"/>
+              <a:buChar char="•"/>
+            </a:pPr>
+            <a:endParaRPr lang="en-US" sz="1700" dirty="0">
+              <a:solidFill>
+                <a:schemeClr val="tx1">
+                  <a:lumMod val="95000"/>
+                  <a:lumOff val="5000"/>
+                </a:schemeClr>
+              </a:solidFill>
+            </a:endParaRPr>
+          </a:p>
+          <a:p>
+            <a:pPr marL="285750" indent="-285750">
+              <a:buFont typeface="Arial" panose="020B0604020202020204" pitchFamily="34" charset="0"/>
+              <a:buChar char="•"/>
+            </a:pPr>
+            <a:r>
+              <a:rPr lang="en-US" sz="1700" dirty="0">
                 <a:solidFill>
                   <a:schemeClr val="tx1">
                     <a:lumMod val="95000"/>
@@ -3122,7 +3192,7 @@
               <a:buChar char="v"/>
             </a:pPr>
             <a:r>
-              <a:rPr lang="en-US" dirty="0">
+              <a:rPr lang="en-US" sz="1700" dirty="0">
                 <a:solidFill>
                   <a:schemeClr val="tx1">
                     <a:lumMod val="95000"/>
@@ -3139,7 +3209,7 @@
               <a:buChar char="•"/>
             </a:pPr>
             <a:r>
-              <a:rPr lang="en-US" dirty="0">
+              <a:rPr lang="en-US" sz="1700" dirty="0">
                 <a:solidFill>
                   <a:schemeClr val="tx1">
                     <a:lumMod val="95000"/>
@@ -3156,7 +3226,7 @@
               <a:buChar char="v"/>
             </a:pPr>
             <a:r>
-              <a:rPr lang="en-US" b="1" dirty="0">
+              <a:rPr lang="en-US" sz="1700" b="1" dirty="0">
                 <a:solidFill>
                   <a:schemeClr val="tx1">
                     <a:lumMod val="95000"/>
@@ -3166,7 +3236,7 @@
               </a:rPr>
               <a:t>safety stock volume = (Maximum daily sales * maximum lead time in days) - (average lead time in days * average daily sales)  </a:t>
             </a:r>
-            <a:endParaRPr lang="en-US" dirty="0">
+            <a:endParaRPr lang="en-US" sz="1700" dirty="0">
               <a:solidFill>
                 <a:schemeClr val="tx1">
                   <a:lumMod val="95000"/>
@@ -3181,7 +3251,7 @@
               <a:buChar char="•"/>
             </a:pPr>
             <a:r>
-              <a:rPr lang="en-US" dirty="0">
+              <a:rPr lang="en-US" sz="1700" dirty="0">
                 <a:solidFill>
                   <a:schemeClr val="tx1">
                     <a:lumMod val="95000"/>
@@ -3198,7 +3268,7 @@
               <a:buChar char="v"/>
             </a:pPr>
             <a:r>
-              <a:rPr lang="en-IN" dirty="0">
+              <a:rPr lang="en-IN" sz="1700" dirty="0">
                 <a:solidFill>
                   <a:schemeClr val="tx1">
                     <a:lumMod val="95000"/>
@@ -3209,7 +3279,7 @@
               <a:t>D</a:t>
             </a:r>
             <a:r>
-              <a:rPr lang="en-US" dirty="0" err="1">
+              <a:rPr lang="en-US" sz="1700" dirty="0" err="1">
                 <a:solidFill>
                   <a:schemeClr val="tx1">
                     <a:lumMod val="95000"/>
@@ -3220,7 +3290,7 @@
               <a:t>epends</a:t>
             </a:r>
             <a:r>
-              <a:rPr lang="en-US" dirty="0">
+              <a:rPr lang="en-US" sz="1700" dirty="0">
                 <a:solidFill>
                   <a:schemeClr val="tx1">
                     <a:lumMod val="95000"/>
@@ -3237,7 +3307,7 @@
               <a:buChar char="v"/>
             </a:pPr>
             <a:r>
-              <a:rPr lang="en-IN" dirty="0">
+              <a:rPr lang="en-IN" sz="1700" dirty="0">
                 <a:solidFill>
                   <a:schemeClr val="tx1">
                     <a:lumMod val="95000"/>
@@ -3248,7 +3318,7 @@
               <a:t>L</a:t>
             </a:r>
             <a:r>
-              <a:rPr lang="en-US" dirty="0" err="1">
+              <a:rPr lang="en-US" sz="1700" dirty="0" err="1">
                 <a:solidFill>
                   <a:schemeClr val="tx1">
                     <a:lumMod val="95000"/>
@@ -3259,7 +3329,7 @@
               <a:t>ess</a:t>
             </a:r>
             <a:r>
-              <a:rPr lang="en-US" dirty="0">
+              <a:rPr lang="en-US" sz="1700" dirty="0">
                 <a:solidFill>
                   <a:schemeClr val="tx1">
                     <a:lumMod val="95000"/>
@@ -3276,7 +3346,7 @@
               <a:buChar char="v"/>
             </a:pPr>
             <a:r>
-              <a:rPr lang="en-IN" dirty="0">
+              <a:rPr lang="en-IN" sz="1700" dirty="0">
                 <a:solidFill>
                   <a:schemeClr val="tx1">
                     <a:lumMod val="95000"/>
@@ -3287,7 +3357,7 @@
               <a:t>S</a:t>
             </a:r>
             <a:r>
-              <a:rPr lang="en-US" dirty="0">
+              <a:rPr lang="en-US" sz="1700" dirty="0">
                 <a:solidFill>
                   <a:schemeClr val="tx1">
                     <a:lumMod val="95000"/>
@@ -3300,21 +3370,16 @@
           </a:p>
           <a:p>
             <a:pPr marL="742950" lvl="1" indent="-285750">
-              <a:buFont typeface="Arial" panose="020B0604020202020204" pitchFamily="34" charset="0"/>
-              <a:buChar char="•"/>
+              <a:buFont typeface="Wingdings" panose="05000000000000000000" pitchFamily="2" charset="2"/>
+              <a:buChar char="v"/>
             </a:pPr>
-            <a:endParaRPr lang="en-US" dirty="0"/>
-          </a:p>
-          <a:p>
-            <a:pPr marL="285750" indent="-285750">
-              <a:buFont typeface="Arial" panose="020B0604020202020204" pitchFamily="34" charset="0"/>
-              <a:buChar char="•"/>
-            </a:pPr>
-            <a:endParaRPr lang="en-US" dirty="0">
+            <a:endParaRPr lang="en-US" sz="1700" dirty="0">
               <a:solidFill>
-                <a:schemeClr val="tx1"/>
+                <a:schemeClr val="tx1">
+                  <a:lumMod val="95000"/>
+                  <a:lumOff val="5000"/>
+                </a:schemeClr>
               </a:solidFill>
-              <a:cs typeface="Calibri"/>
             </a:endParaRPr>
           </a:p>
         </p:txBody>
@@ -3367,7 +3432,7 @@
               <a:buFont typeface="Arial" panose="020B0604020202020204" pitchFamily="34" charset="0"/>
               <a:buChar char="•"/>
             </a:pPr>
-            <a:endParaRPr lang="en-IN" dirty="0">
+            <a:endParaRPr lang="en-IN" sz="1600" dirty="0">
               <a:solidFill>
                 <a:schemeClr val="tx1">
                   <a:lumMod val="95000"/>
@@ -3381,7 +3446,7 @@
               <a:buFont typeface="Arial" panose="020B0604020202020204" pitchFamily="34" charset="0"/>
               <a:buChar char="•"/>
             </a:pPr>
-            <a:endParaRPr lang="en-IN" dirty="0">
+            <a:endParaRPr lang="en-IN" sz="1600" dirty="0">
               <a:solidFill>
                 <a:schemeClr val="tx1">
                   <a:lumMod val="95000"/>
@@ -3395,7 +3460,7 @@
               <a:buFont typeface="Arial" panose="020B0604020202020204" pitchFamily="34" charset="0"/>
               <a:buChar char="•"/>
             </a:pPr>
-            <a:endParaRPr lang="en-IN" dirty="0">
+            <a:endParaRPr lang="en-IN" sz="1600" dirty="0">
               <a:solidFill>
                 <a:schemeClr val="tx1">
                   <a:lumMod val="95000"/>
@@ -3409,7 +3474,7 @@
               <a:buFont typeface="Arial" panose="020B0604020202020204" pitchFamily="34" charset="0"/>
               <a:buChar char="•"/>
             </a:pPr>
-            <a:endParaRPr lang="en-IN" dirty="0">
+            <a:endParaRPr lang="en-IN" sz="1600" dirty="0">
               <a:solidFill>
                 <a:schemeClr val="tx1">
                   <a:lumMod val="95000"/>
@@ -3423,7 +3488,7 @@
               <a:buFont typeface="Arial" panose="020B0604020202020204" pitchFamily="34" charset="0"/>
               <a:buChar char="•"/>
             </a:pPr>
-            <a:endParaRPr lang="en-IN" dirty="0">
+            <a:endParaRPr lang="en-IN" sz="1600" dirty="0">
               <a:solidFill>
                 <a:schemeClr val="tx1">
                   <a:lumMod val="95000"/>
@@ -3437,7 +3502,7 @@
               <a:buFont typeface="Arial" panose="020B0604020202020204" pitchFamily="34" charset="0"/>
               <a:buChar char="•"/>
             </a:pPr>
-            <a:endParaRPr lang="en-IN" dirty="0">
+            <a:endParaRPr lang="en-IN" sz="1600" dirty="0">
               <a:solidFill>
                 <a:schemeClr val="tx1">
                   <a:lumMod val="95000"/>
@@ -3451,7 +3516,7 @@
               <a:buFont typeface="Arial" panose="020B0604020202020204" pitchFamily="34" charset="0"/>
               <a:buChar char="•"/>
             </a:pPr>
-            <a:endParaRPr lang="en-IN" dirty="0">
+            <a:endParaRPr lang="en-IN" sz="1600" dirty="0">
               <a:solidFill>
                 <a:schemeClr val="tx1">
                   <a:lumMod val="95000"/>
@@ -3465,7 +3530,7 @@
               <a:buFont typeface="Arial" panose="020B0604020202020204" pitchFamily="34" charset="0"/>
               <a:buChar char="•"/>
             </a:pPr>
-            <a:endParaRPr lang="en-IN" dirty="0">
+            <a:endParaRPr lang="en-IN" sz="1600" dirty="0">
               <a:solidFill>
                 <a:schemeClr val="tx1">
                   <a:lumMod val="95000"/>
@@ -3479,7 +3544,7 @@
               <a:buFont typeface="Arial" panose="020B0604020202020204" pitchFamily="34" charset="0"/>
               <a:buChar char="•"/>
             </a:pPr>
-            <a:endParaRPr lang="en-IN" dirty="0">
+            <a:endParaRPr lang="en-IN" sz="1600" dirty="0">
               <a:solidFill>
                 <a:schemeClr val="tx1">
                   <a:lumMod val="95000"/>
@@ -3493,7 +3558,7 @@
               <a:buFont typeface="Arial" panose="020B0604020202020204" pitchFamily="34" charset="0"/>
               <a:buChar char="•"/>
             </a:pPr>
-            <a:endParaRPr lang="en-IN" dirty="0">
+            <a:endParaRPr lang="en-IN" sz="1600" dirty="0">
               <a:solidFill>
                 <a:schemeClr val="tx1">
                   <a:lumMod val="95000"/>
@@ -3507,7 +3572,7 @@
               <a:buFont typeface="Arial" panose="020B0604020202020204" pitchFamily="34" charset="0"/>
               <a:buChar char="•"/>
             </a:pPr>
-            <a:endParaRPr lang="en-IN" dirty="0">
+            <a:endParaRPr lang="en-IN" sz="1600" dirty="0">
               <a:solidFill>
                 <a:schemeClr val="tx1">
                   <a:lumMod val="95000"/>
@@ -3517,11 +3582,7 @@
             </a:endParaRPr>
           </a:p>
           <a:p>
-            <a:pPr marL="285750" indent="-285750">
-              <a:buFont typeface="Arial" panose="020B0604020202020204" pitchFamily="34" charset="0"/>
-              <a:buChar char="•"/>
-            </a:pPr>
-            <a:endParaRPr lang="en-IN" dirty="0">
+            <a:endParaRPr lang="en-IN" sz="1600" dirty="0">
               <a:solidFill>
                 <a:schemeClr val="tx1">
                   <a:lumMod val="95000"/>
@@ -3531,11 +3592,7 @@
             </a:endParaRPr>
           </a:p>
           <a:p>
-            <a:pPr marL="285750" indent="-285750">
-              <a:buFont typeface="Arial" panose="020B0604020202020204" pitchFamily="34" charset="0"/>
-              <a:buChar char="•"/>
-            </a:pPr>
-            <a:endParaRPr lang="en-US" dirty="0">
+            <a:endParaRPr lang="en-IN" sz="1600" dirty="0">
               <a:solidFill>
                 <a:schemeClr val="tx1">
                   <a:lumMod val="95000"/>
@@ -3545,12 +3602,62 @@
             </a:endParaRPr>
           </a:p>
           <a:p>
+            <a:endParaRPr lang="en-IN" sz="1600" dirty="0">
+              <a:solidFill>
+                <a:schemeClr val="tx1">
+                  <a:lumMod val="95000"/>
+                  <a:lumOff val="5000"/>
+                </a:schemeClr>
+              </a:solidFill>
+            </a:endParaRPr>
+          </a:p>
+          <a:p>
+            <a:endParaRPr lang="en-IN" sz="1600" dirty="0">
+              <a:solidFill>
+                <a:schemeClr val="tx1">
+                  <a:lumMod val="95000"/>
+                  <a:lumOff val="5000"/>
+                </a:schemeClr>
+              </a:solidFill>
+            </a:endParaRPr>
+          </a:p>
+          <a:p>
+            <a:endParaRPr lang="en-IN" sz="1600" dirty="0">
+              <a:solidFill>
+                <a:schemeClr val="tx1">
+                  <a:lumMod val="95000"/>
+                  <a:lumOff val="5000"/>
+                </a:schemeClr>
+              </a:solidFill>
+            </a:endParaRPr>
+          </a:p>
+          <a:p>
+            <a:endParaRPr lang="en-IN" sz="1600" dirty="0">
+              <a:solidFill>
+                <a:schemeClr val="tx1">
+                  <a:lumMod val="95000"/>
+                  <a:lumOff val="5000"/>
+                </a:schemeClr>
+              </a:solidFill>
+            </a:endParaRPr>
+          </a:p>
+          <a:p>
+            <a:endParaRPr lang="en-US" sz="1600" dirty="0">
+              <a:solidFill>
+                <a:schemeClr val="tx1">
+                  <a:lumMod val="95000"/>
+                  <a:lumOff val="5000"/>
+                </a:schemeClr>
+              </a:solidFill>
+            </a:endParaRPr>
+          </a:p>
+          <a:p>
             <a:pPr marL="285750" indent="-285750">
               <a:buFont typeface="Arial" panose="020B0604020202020204" pitchFamily="34" charset="0"/>
               <a:buChar char="•"/>
             </a:pPr>
             <a:r>
-              <a:rPr lang="en-US" dirty="0">
+              <a:rPr lang="en-US" sz="1600" dirty="0">
                 <a:solidFill>
                   <a:schemeClr val="tx1">
                     <a:lumMod val="95000"/>
@@ -3567,97 +3674,153 @@
               <a:buChar char="•"/>
             </a:pPr>
             <a:r>
-              <a:rPr lang="en-US" dirty="0">
+              <a:rPr lang="en-IN" sz="1600" dirty="0">
                 <a:solidFill>
-                  <a:schemeClr val="tx1">
-                    <a:lumMod val="95000"/>
-                    <a:lumOff val="5000"/>
-                  </a:schemeClr>
+                  <a:schemeClr val="tx1"/>
                 </a:solidFill>
               </a:rPr>
-              <a:t>There are four main reasons why there may be discrepancies between item counts:</a:t>
-            </a:r>
+              <a:t>There are 5 Major causes of OOS</a:t>
+            </a:r>
+            <a:endParaRPr lang="en-US" sz="1600" dirty="0">
+              <a:solidFill>
+                <a:schemeClr val="tx1"/>
+              </a:solidFill>
+            </a:endParaRPr>
+          </a:p>
+          <a:p>
+            <a:pPr marL="742950" lvl="1" indent="-285750" fontAlgn="base">
+              <a:buFont typeface="Wingdings" panose="05000000000000000000" pitchFamily="2" charset="2"/>
+              <a:buChar char="v"/>
+            </a:pPr>
+            <a:r>
+              <a:rPr lang="en-US" sz="1600" dirty="0">
+                <a:solidFill>
+                  <a:schemeClr val="tx1"/>
+                </a:solidFill>
+              </a:rPr>
+              <a:t>Inaccurate data/Human error</a:t>
+            </a:r>
+          </a:p>
+          <a:p>
+            <a:pPr marL="742950" lvl="1" indent="-285750" fontAlgn="base">
+              <a:buFont typeface="Wingdings" panose="05000000000000000000" pitchFamily="2" charset="2"/>
+              <a:buChar char="v"/>
+            </a:pPr>
+            <a:r>
+              <a:rPr lang="en-GB" sz="1600" b="1" dirty="0">
+                <a:solidFill>
+                  <a:schemeClr val="tx1"/>
+                </a:solidFill>
+              </a:rPr>
+              <a:t>Failure to re-order in a timely manner</a:t>
+            </a:r>
+            <a:endParaRPr lang="en-US" sz="1600" dirty="0">
+              <a:solidFill>
+                <a:schemeClr val="tx1"/>
+              </a:solidFill>
+            </a:endParaRPr>
+          </a:p>
+          <a:p>
+            <a:pPr marL="742950" lvl="1" indent="-285750" fontAlgn="base">
+              <a:buFont typeface="Wingdings" panose="05000000000000000000" pitchFamily="2" charset="2"/>
+              <a:buChar char="v"/>
+            </a:pPr>
+            <a:r>
+              <a:rPr lang="en-GB" sz="1600" dirty="0">
+                <a:solidFill>
+                  <a:schemeClr val="tx1"/>
+                </a:solidFill>
+              </a:rPr>
+              <a:t>Poor management of people, processes, and technology</a:t>
+            </a:r>
+            <a:endParaRPr lang="en-US" sz="1600" dirty="0">
+              <a:solidFill>
+                <a:schemeClr val="tx1"/>
+              </a:solidFill>
+            </a:endParaRPr>
+          </a:p>
+          <a:p>
+            <a:pPr marL="742950" lvl="1" indent="-285750" fontAlgn="base">
+              <a:buFont typeface="Wingdings" panose="05000000000000000000" pitchFamily="2" charset="2"/>
+              <a:buChar char="v"/>
+            </a:pPr>
+            <a:r>
+              <a:rPr lang="en-GB" sz="1600" dirty="0">
+                <a:solidFill>
+                  <a:schemeClr val="tx1"/>
+                </a:solidFill>
+              </a:rPr>
+              <a:t>Poor communication or relationships with your suppliers</a:t>
+            </a:r>
+            <a:endParaRPr lang="en-US" sz="1600" dirty="0">
+              <a:solidFill>
+                <a:schemeClr val="tx1"/>
+              </a:solidFill>
+            </a:endParaRPr>
+          </a:p>
+          <a:p>
+            <a:pPr marL="742950" lvl="1" indent="-285750" fontAlgn="base">
+              <a:buFont typeface="Wingdings" panose="05000000000000000000" pitchFamily="2" charset="2"/>
+              <a:buChar char="v"/>
+            </a:pPr>
+            <a:r>
+              <a:rPr lang="en-GB" sz="1600" dirty="0">
+                <a:solidFill>
+                  <a:schemeClr val="tx1"/>
+                </a:solidFill>
+              </a:rPr>
+              <a:t>Not enough working capital</a:t>
+            </a:r>
+          </a:p>
+          <a:p>
+            <a:pPr marL="742950" lvl="1" indent="-285750" fontAlgn="base">
+              <a:buFont typeface="Wingdings" panose="05000000000000000000" pitchFamily="2" charset="2"/>
+              <a:buChar char="v"/>
+            </a:pPr>
+            <a:r>
+              <a:rPr lang="en-GB" sz="1600" dirty="0">
+                <a:solidFill>
+                  <a:schemeClr val="tx1"/>
+                </a:solidFill>
+              </a:rPr>
+              <a:t>Unexcepted surges in customer demand</a:t>
+            </a:r>
+          </a:p>
+          <a:p>
+            <a:pPr marL="742950" lvl="1" indent="-285750" fontAlgn="base">
+              <a:buFont typeface="Wingdings" panose="05000000000000000000" pitchFamily="2" charset="2"/>
+              <a:buChar char="v"/>
+            </a:pPr>
+            <a:r>
+              <a:rPr lang="en-GB" sz="1600" dirty="0">
+                <a:solidFill>
+                  <a:schemeClr val="tx1"/>
+                </a:solidFill>
+              </a:rPr>
+              <a:t>Inadequate forecasting and reporting</a:t>
+            </a:r>
+            <a:endParaRPr lang="en-US" sz="1600" dirty="0">
+              <a:solidFill>
+                <a:schemeClr val="tx1"/>
+              </a:solidFill>
+            </a:endParaRPr>
           </a:p>
           <a:p>
             <a:pPr marL="742950" lvl="1" indent="-285750">
               <a:buFont typeface="Wingdings" panose="05000000000000000000" pitchFamily="2" charset="2"/>
               <a:buChar char="v"/>
             </a:pPr>
-            <a:r>
-              <a:rPr lang="en-US" dirty="0">
-                <a:solidFill>
-                  <a:schemeClr val="tx1">
-                    <a:lumMod val="95000"/>
-                    <a:lumOff val="5000"/>
-                  </a:schemeClr>
-                </a:solidFill>
-              </a:rPr>
-              <a:t>Human error</a:t>
-            </a:r>
-          </a:p>
-          <a:p>
-            <a:pPr marL="742950" lvl="1" indent="-285750">
-              <a:buFont typeface="Wingdings" panose="05000000000000000000" pitchFamily="2" charset="2"/>
-              <a:buChar char="v"/>
-            </a:pPr>
-            <a:r>
-              <a:rPr lang="en-US" dirty="0">
-                <a:solidFill>
-                  <a:schemeClr val="tx1">
-                    <a:lumMod val="95000"/>
-                    <a:lumOff val="5000"/>
-                  </a:schemeClr>
-                </a:solidFill>
-              </a:rPr>
-              <a:t>Technical issues</a:t>
-            </a:r>
-          </a:p>
-          <a:p>
-            <a:pPr marL="742950" lvl="1" indent="-285750">
-              <a:buFont typeface="Wingdings" panose="05000000000000000000" pitchFamily="2" charset="2"/>
-              <a:buChar char="v"/>
-            </a:pPr>
-            <a:r>
-              <a:rPr lang="en-US" dirty="0">
-                <a:solidFill>
-                  <a:schemeClr val="tx1">
-                    <a:lumMod val="95000"/>
-                    <a:lumOff val="5000"/>
-                  </a:schemeClr>
-                </a:solidFill>
-              </a:rPr>
-              <a:t>Shrinkage, or the loss of goods due to damage or theft</a:t>
-            </a:r>
-          </a:p>
-          <a:p>
-            <a:pPr marL="742950" lvl="1" indent="-285750">
-              <a:buFont typeface="Wingdings" panose="05000000000000000000" pitchFamily="2" charset="2"/>
-              <a:buChar char="v"/>
-            </a:pPr>
-            <a:r>
-              <a:rPr lang="en-US" dirty="0">
-                <a:solidFill>
-                  <a:schemeClr val="tx1">
-                    <a:lumMod val="95000"/>
-                    <a:lumOff val="5000"/>
-                  </a:schemeClr>
-                </a:solidFill>
-              </a:rPr>
-              <a:t>A combination of the above</a:t>
-            </a:r>
-          </a:p>
-          <a:p>
-            <a:br>
-              <a:rPr lang="en-US" dirty="0">
-                <a:solidFill>
-                  <a:schemeClr val="tx1">
-                    <a:lumMod val="95000"/>
-                    <a:lumOff val="5000"/>
-                  </a:schemeClr>
-                </a:solidFill>
-              </a:rPr>
-            </a:br>
-            <a:endParaRPr lang="en-US" dirty="0">
+            <a:endParaRPr lang="en-US" sz="1600" dirty="0">
+              <a:solidFill>
+                <a:schemeClr val="tx1">
+                  <a:lumMod val="95000"/>
+                  <a:lumOff val="5000"/>
+                </a:schemeClr>
+              </a:solidFill>
+            </a:endParaRPr>
+          </a:p>
+          <a:p>
+            <a:endParaRPr lang="en-US" sz="1600" dirty="0">
               <a:solidFill>
                 <a:schemeClr val="tx1">
                   <a:lumMod val="95000"/>
@@ -3698,8 +3861,8 @@
         </p:blipFill>
         <p:spPr bwMode="auto">
           <a:xfrm>
-            <a:off x="2818664" y="485378"/>
-            <a:ext cx="3037875" cy="2715766"/>
+            <a:off x="1598009" y="485377"/>
+            <a:ext cx="4258531" cy="3806994"/>
           </a:xfrm>
           <a:prstGeom prst="rect">
             <a:avLst/>
@@ -3888,8 +4051,8 @@
         </p:blipFill>
         <p:spPr bwMode="auto">
           <a:xfrm>
-            <a:off x="8578013" y="412366"/>
-            <a:ext cx="3499406" cy="1430895"/>
+            <a:off x="6330804" y="880426"/>
+            <a:ext cx="5346898" cy="2186328"/>
           </a:xfrm>
           <a:prstGeom prst="rect">
             <a:avLst/>

--- a/P_and_G_modified_R.pptx
+++ b/P_and_G_modified_R.pptx
@@ -3000,7 +3000,7 @@
         </p:nvSpPr>
         <p:spPr>
           <a:xfrm>
-            <a:off x="5961883" y="418761"/>
+            <a:off x="5961883" y="344870"/>
             <a:ext cx="6220879" cy="6424813"/>
           </a:xfrm>
           <a:prstGeom prst="rect">
@@ -3029,345 +3029,6 @@
         <p:txBody>
           <a:bodyPr rtlCol="0" anchor="ctr"/>
           <a:lstStyle/>
-          <a:p>
-            <a:pPr marL="285750" indent="-285750">
-              <a:buFont typeface="Arial" panose="020B0604020202020204" pitchFamily="34" charset="0"/>
-              <a:buChar char="•"/>
-            </a:pPr>
-            <a:endParaRPr lang="en-US" sz="1700" dirty="0"/>
-          </a:p>
-          <a:p>
-            <a:pPr marL="285750" indent="-285750">
-              <a:buFont typeface="Arial" panose="020B0604020202020204" pitchFamily="34" charset="0"/>
-              <a:buChar char="•"/>
-            </a:pPr>
-            <a:endParaRPr lang="en-US" sz="1700" dirty="0"/>
-          </a:p>
-          <a:p>
-            <a:pPr marL="285750" indent="-285750">
-              <a:buFont typeface="Arial" panose="020B0604020202020204" pitchFamily="34" charset="0"/>
-              <a:buChar char="•"/>
-            </a:pPr>
-            <a:endParaRPr lang="en-US" sz="1700" dirty="0">
-              <a:solidFill>
-                <a:schemeClr val="tx1">
-                  <a:lumMod val="95000"/>
-                  <a:lumOff val="5000"/>
-                </a:schemeClr>
-              </a:solidFill>
-            </a:endParaRPr>
-          </a:p>
-          <a:p>
-            <a:pPr marL="285750" indent="-285750">
-              <a:buFont typeface="Arial" panose="020B0604020202020204" pitchFamily="34" charset="0"/>
-              <a:buChar char="•"/>
-            </a:pPr>
-            <a:endParaRPr lang="en-US" sz="1700" dirty="0">
-              <a:solidFill>
-                <a:schemeClr val="tx1">
-                  <a:lumMod val="95000"/>
-                  <a:lumOff val="5000"/>
-                </a:schemeClr>
-              </a:solidFill>
-            </a:endParaRPr>
-          </a:p>
-          <a:p>
-            <a:pPr marL="285750" indent="-285750">
-              <a:buFont typeface="Arial" panose="020B0604020202020204" pitchFamily="34" charset="0"/>
-              <a:buChar char="•"/>
-            </a:pPr>
-            <a:endParaRPr lang="en-IN" sz="1700" dirty="0">
-              <a:solidFill>
-                <a:schemeClr val="tx1">
-                  <a:lumMod val="95000"/>
-                  <a:lumOff val="5000"/>
-                </a:schemeClr>
-              </a:solidFill>
-            </a:endParaRPr>
-          </a:p>
-          <a:p>
-            <a:pPr marL="285750" indent="-285750">
-              <a:buFont typeface="Arial" panose="020B0604020202020204" pitchFamily="34" charset="0"/>
-              <a:buChar char="•"/>
-            </a:pPr>
-            <a:endParaRPr lang="en-IN" sz="1700" dirty="0">
-              <a:solidFill>
-                <a:schemeClr val="tx1">
-                  <a:lumMod val="95000"/>
-                  <a:lumOff val="5000"/>
-                </a:schemeClr>
-              </a:solidFill>
-            </a:endParaRPr>
-          </a:p>
-          <a:p>
-            <a:pPr marL="285750" indent="-285750">
-              <a:buFont typeface="Arial" panose="020B0604020202020204" pitchFamily="34" charset="0"/>
-              <a:buChar char="•"/>
-            </a:pPr>
-            <a:endParaRPr lang="en-IN" sz="1700" dirty="0">
-              <a:solidFill>
-                <a:schemeClr val="tx1">
-                  <a:lumMod val="95000"/>
-                  <a:lumOff val="5000"/>
-                </a:schemeClr>
-              </a:solidFill>
-            </a:endParaRPr>
-          </a:p>
-          <a:p>
-            <a:pPr marL="285750" indent="-285750">
-              <a:buFont typeface="Arial" panose="020B0604020202020204" pitchFamily="34" charset="0"/>
-              <a:buChar char="•"/>
-            </a:pPr>
-            <a:endParaRPr lang="en-IN" sz="1700" dirty="0">
-              <a:solidFill>
-                <a:schemeClr val="tx1">
-                  <a:lumMod val="95000"/>
-                  <a:lumOff val="5000"/>
-                </a:schemeClr>
-              </a:solidFill>
-            </a:endParaRPr>
-          </a:p>
-          <a:p>
-            <a:pPr marL="285750" indent="-285750">
-              <a:buFont typeface="Arial" panose="020B0604020202020204" pitchFamily="34" charset="0"/>
-              <a:buChar char="•"/>
-            </a:pPr>
-            <a:endParaRPr lang="en-IN" sz="1700" dirty="0">
-              <a:solidFill>
-                <a:schemeClr val="tx1">
-                  <a:lumMod val="95000"/>
-                  <a:lumOff val="5000"/>
-                </a:schemeClr>
-              </a:solidFill>
-            </a:endParaRPr>
-          </a:p>
-          <a:p>
-            <a:pPr marL="285750" indent="-285750">
-              <a:buFont typeface="Arial" panose="020B0604020202020204" pitchFamily="34" charset="0"/>
-              <a:buChar char="•"/>
-            </a:pPr>
-            <a:endParaRPr lang="en-US" sz="1700" dirty="0">
-              <a:solidFill>
-                <a:schemeClr val="tx1">
-                  <a:lumMod val="95000"/>
-                  <a:lumOff val="5000"/>
-                </a:schemeClr>
-              </a:solidFill>
-            </a:endParaRPr>
-          </a:p>
-          <a:p>
-            <a:pPr marL="285750" indent="-285750">
-              <a:buFont typeface="Arial" panose="020B0604020202020204" pitchFamily="34" charset="0"/>
-              <a:buChar char="•"/>
-            </a:pPr>
-            <a:endParaRPr lang="en-US" sz="1700" dirty="0">
-              <a:solidFill>
-                <a:schemeClr val="tx1">
-                  <a:lumMod val="95000"/>
-                  <a:lumOff val="5000"/>
-                </a:schemeClr>
-              </a:solidFill>
-            </a:endParaRPr>
-          </a:p>
-          <a:p>
-            <a:pPr marL="285750" indent="-285750">
-              <a:buFont typeface="Arial" panose="020B0604020202020204" pitchFamily="34" charset="0"/>
-              <a:buChar char="•"/>
-            </a:pPr>
-            <a:r>
-              <a:rPr lang="en-US" sz="1700" dirty="0">
-                <a:solidFill>
-                  <a:schemeClr val="tx1">
-                    <a:lumMod val="95000"/>
-                    <a:lumOff val="5000"/>
-                  </a:schemeClr>
-                </a:solidFill>
-              </a:rPr>
-              <a:t>Reconciling disparities in item counts</a:t>
-            </a:r>
-          </a:p>
-          <a:p>
-            <a:pPr marL="742950" lvl="1" indent="-285750">
-              <a:buFont typeface="Wingdings" panose="05000000000000000000" pitchFamily="2" charset="2"/>
-              <a:buChar char="v"/>
-            </a:pPr>
-            <a:r>
-              <a:rPr lang="en-US" sz="1700" dirty="0">
-                <a:solidFill>
-                  <a:schemeClr val="tx1">
-                    <a:lumMod val="95000"/>
-                    <a:lumOff val="5000"/>
-                  </a:schemeClr>
-                </a:solidFill>
-              </a:rPr>
-              <a:t>if a specific product is selling much faster at one store than another, retailers can quickly see this trend and move stock from their warehouse or another retail location to meet that demand.</a:t>
-            </a:r>
-          </a:p>
-          <a:p>
-            <a:pPr marL="285750" indent="-285750">
-              <a:buFont typeface="Arial" panose="020B0604020202020204" pitchFamily="34" charset="0"/>
-              <a:buChar char="•"/>
-            </a:pPr>
-            <a:r>
-              <a:rPr lang="en-US" sz="1700" dirty="0">
-                <a:solidFill>
-                  <a:schemeClr val="tx1">
-                    <a:lumMod val="95000"/>
-                    <a:lumOff val="5000"/>
-                  </a:schemeClr>
-                </a:solidFill>
-              </a:rPr>
-              <a:t>Forecasting demand more accurately</a:t>
-            </a:r>
-          </a:p>
-          <a:p>
-            <a:pPr marL="742950" lvl="1" indent="-285750">
-              <a:buFont typeface="Wingdings" panose="05000000000000000000" pitchFamily="2" charset="2"/>
-              <a:buChar char="v"/>
-            </a:pPr>
-            <a:r>
-              <a:rPr lang="en-US" sz="1700" b="1" dirty="0">
-                <a:solidFill>
-                  <a:schemeClr val="tx1">
-                    <a:lumMod val="95000"/>
-                    <a:lumOff val="5000"/>
-                  </a:schemeClr>
-                </a:solidFill>
-              </a:rPr>
-              <a:t>safety stock volume = (Maximum daily sales * maximum lead time in days) - (average lead time in days * average daily sales)  </a:t>
-            </a:r>
-            <a:endParaRPr lang="en-US" sz="1700" dirty="0">
-              <a:solidFill>
-                <a:schemeClr val="tx1">
-                  <a:lumMod val="95000"/>
-                  <a:lumOff val="5000"/>
-                </a:schemeClr>
-              </a:solidFill>
-            </a:endParaRPr>
-          </a:p>
-          <a:p>
-            <a:pPr marL="285750" indent="-285750">
-              <a:buFont typeface="Arial" panose="020B0604020202020204" pitchFamily="34" charset="0"/>
-              <a:buChar char="•"/>
-            </a:pPr>
-            <a:r>
-              <a:rPr lang="en-US" sz="1700" dirty="0">
-                <a:solidFill>
-                  <a:schemeClr val="tx1">
-                    <a:lumMod val="95000"/>
-                    <a:lumOff val="5000"/>
-                  </a:schemeClr>
-                </a:solidFill>
-              </a:rPr>
-              <a:t>Managing logistical challenges</a:t>
-            </a:r>
-          </a:p>
-          <a:p>
-            <a:pPr marL="742950" lvl="1" indent="-285750">
-              <a:buFont typeface="Wingdings" panose="05000000000000000000" pitchFamily="2" charset="2"/>
-              <a:buChar char="v"/>
-            </a:pPr>
-            <a:r>
-              <a:rPr lang="en-IN" sz="1700" dirty="0">
-                <a:solidFill>
-                  <a:schemeClr val="tx1">
-                    <a:lumMod val="95000"/>
-                    <a:lumOff val="5000"/>
-                  </a:schemeClr>
-                </a:solidFill>
-              </a:rPr>
-              <a:t>D</a:t>
-            </a:r>
-            <a:r>
-              <a:rPr lang="en-US" sz="1700" dirty="0" err="1">
-                <a:solidFill>
-                  <a:schemeClr val="tx1">
-                    <a:lumMod val="95000"/>
-                    <a:lumOff val="5000"/>
-                  </a:schemeClr>
-                </a:solidFill>
-              </a:rPr>
-              <a:t>epends</a:t>
-            </a:r>
-            <a:r>
-              <a:rPr lang="en-US" sz="1700" dirty="0">
-                <a:solidFill>
-                  <a:schemeClr val="tx1">
-                    <a:lumMod val="95000"/>
-                    <a:lumOff val="5000"/>
-                  </a:schemeClr>
-                </a:solidFill>
-              </a:rPr>
-              <a:t> on technology or handled manually</a:t>
-            </a:r>
-          </a:p>
-          <a:p>
-            <a:pPr marL="742950" lvl="1" indent="-285750">
-              <a:buFont typeface="Wingdings" panose="05000000000000000000" pitchFamily="2" charset="2"/>
-              <a:buChar char="v"/>
-            </a:pPr>
-            <a:r>
-              <a:rPr lang="en-IN" sz="1700" dirty="0">
-                <a:solidFill>
-                  <a:schemeClr val="tx1">
-                    <a:lumMod val="95000"/>
-                    <a:lumOff val="5000"/>
-                  </a:schemeClr>
-                </a:solidFill>
-              </a:rPr>
-              <a:t>L</a:t>
-            </a:r>
-            <a:r>
-              <a:rPr lang="en-US" sz="1700" dirty="0" err="1">
-                <a:solidFill>
-                  <a:schemeClr val="tx1">
-                    <a:lumMod val="95000"/>
-                    <a:lumOff val="5000"/>
-                  </a:schemeClr>
-                </a:solidFill>
-              </a:rPr>
-              <a:t>ess</a:t>
-            </a:r>
-            <a:r>
-              <a:rPr lang="en-US" sz="1700" dirty="0">
-                <a:solidFill>
-                  <a:schemeClr val="tx1">
-                    <a:lumMod val="95000"/>
-                    <a:lumOff val="5000"/>
-                  </a:schemeClr>
-                </a:solidFill>
-              </a:rPr>
-              <a:t>-than-truckload shipping offer smaller, more frequent deliveries.</a:t>
-            </a:r>
-          </a:p>
-          <a:p>
-            <a:pPr marL="742950" lvl="1" indent="-285750">
-              <a:buFont typeface="Wingdings" panose="05000000000000000000" pitchFamily="2" charset="2"/>
-              <a:buChar char="v"/>
-            </a:pPr>
-            <a:r>
-              <a:rPr lang="en-IN" sz="1700" dirty="0">
-                <a:solidFill>
-                  <a:schemeClr val="tx1">
-                    <a:lumMod val="95000"/>
-                    <a:lumOff val="5000"/>
-                  </a:schemeClr>
-                </a:solidFill>
-              </a:rPr>
-              <a:t>S</a:t>
-            </a:r>
-            <a:r>
-              <a:rPr lang="en-US" sz="1700" dirty="0">
-                <a:solidFill>
-                  <a:schemeClr val="tx1">
-                    <a:lumMod val="95000"/>
-                    <a:lumOff val="5000"/>
-                  </a:schemeClr>
-                </a:solidFill>
-              </a:rPr>
-              <a:t>hipped to customer directly from manufacturer.</a:t>
-            </a:r>
-          </a:p>
           <a:p>
             <a:pPr marL="742950" lvl="1" indent="-285750">
               <a:buFont typeface="Wingdings" panose="05000000000000000000" pitchFamily="2" charset="2"/>
@@ -3434,10 +3095,7 @@
             </a:pPr>
             <a:endParaRPr lang="en-IN" sz="1600" dirty="0">
               <a:solidFill>
-                <a:schemeClr val="tx1">
-                  <a:lumMod val="95000"/>
-                  <a:lumOff val="5000"/>
-                </a:schemeClr>
+                <a:schemeClr val="tx1"/>
               </a:solidFill>
             </a:endParaRPr>
           </a:p>
@@ -3448,10 +3106,7 @@
             </a:pPr>
             <a:endParaRPr lang="en-IN" sz="1600" dirty="0">
               <a:solidFill>
-                <a:schemeClr val="tx1">
-                  <a:lumMod val="95000"/>
-                  <a:lumOff val="5000"/>
-                </a:schemeClr>
+                <a:schemeClr val="tx1"/>
               </a:solidFill>
             </a:endParaRPr>
           </a:p>
@@ -3462,10 +3117,7 @@
             </a:pPr>
             <a:endParaRPr lang="en-IN" sz="1600" dirty="0">
               <a:solidFill>
-                <a:schemeClr val="tx1">
-                  <a:lumMod val="95000"/>
-                  <a:lumOff val="5000"/>
-                </a:schemeClr>
+                <a:schemeClr val="tx1"/>
               </a:solidFill>
             </a:endParaRPr>
           </a:p>
@@ -3476,10 +3128,7 @@
             </a:pPr>
             <a:endParaRPr lang="en-IN" sz="1600" dirty="0">
               <a:solidFill>
-                <a:schemeClr val="tx1">
-                  <a:lumMod val="95000"/>
-                  <a:lumOff val="5000"/>
-                </a:schemeClr>
+                <a:schemeClr val="tx1"/>
               </a:solidFill>
             </a:endParaRPr>
           </a:p>
@@ -3490,10 +3139,7 @@
             </a:pPr>
             <a:endParaRPr lang="en-IN" sz="1600" dirty="0">
               <a:solidFill>
-                <a:schemeClr val="tx1">
-                  <a:lumMod val="95000"/>
-                  <a:lumOff val="5000"/>
-                </a:schemeClr>
+                <a:schemeClr val="tx1"/>
               </a:solidFill>
             </a:endParaRPr>
           </a:p>
@@ -3504,10 +3150,7 @@
             </a:pPr>
             <a:endParaRPr lang="en-IN" sz="1600" dirty="0">
               <a:solidFill>
-                <a:schemeClr val="tx1">
-                  <a:lumMod val="95000"/>
-                  <a:lumOff val="5000"/>
-                </a:schemeClr>
+                <a:schemeClr val="tx1"/>
               </a:solidFill>
             </a:endParaRPr>
           </a:p>
@@ -3518,10 +3161,7 @@
             </a:pPr>
             <a:endParaRPr lang="en-IN" sz="1600" dirty="0">
               <a:solidFill>
-                <a:schemeClr val="tx1">
-                  <a:lumMod val="95000"/>
-                  <a:lumOff val="5000"/>
-                </a:schemeClr>
+                <a:schemeClr val="tx1"/>
               </a:solidFill>
             </a:endParaRPr>
           </a:p>
@@ -3532,10 +3172,7 @@
             </a:pPr>
             <a:endParaRPr lang="en-IN" sz="1600" dirty="0">
               <a:solidFill>
-                <a:schemeClr val="tx1">
-                  <a:lumMod val="95000"/>
-                  <a:lumOff val="5000"/>
-                </a:schemeClr>
+                <a:schemeClr val="tx1"/>
               </a:solidFill>
             </a:endParaRPr>
           </a:p>
@@ -3546,10 +3183,7 @@
             </a:pPr>
             <a:endParaRPr lang="en-IN" sz="1600" dirty="0">
               <a:solidFill>
-                <a:schemeClr val="tx1">
-                  <a:lumMod val="95000"/>
-                  <a:lumOff val="5000"/>
-                </a:schemeClr>
+                <a:schemeClr val="tx1"/>
               </a:solidFill>
             </a:endParaRPr>
           </a:p>
@@ -3560,10 +3194,7 @@
             </a:pPr>
             <a:endParaRPr lang="en-IN" sz="1600" dirty="0">
               <a:solidFill>
-                <a:schemeClr val="tx1">
-                  <a:lumMod val="95000"/>
-                  <a:lumOff val="5000"/>
-                </a:schemeClr>
+                <a:schemeClr val="tx1"/>
               </a:solidFill>
             </a:endParaRPr>
           </a:p>
@@ -3574,80 +3205,35 @@
             </a:pPr>
             <a:endParaRPr lang="en-IN" sz="1600" dirty="0">
               <a:solidFill>
-                <a:schemeClr val="tx1">
-                  <a:lumMod val="95000"/>
-                  <a:lumOff val="5000"/>
-                </a:schemeClr>
+                <a:schemeClr val="tx1"/>
               </a:solidFill>
             </a:endParaRPr>
           </a:p>
           <a:p>
             <a:endParaRPr lang="en-IN" sz="1600" dirty="0">
               <a:solidFill>
-                <a:schemeClr val="tx1">
-                  <a:lumMod val="95000"/>
-                  <a:lumOff val="5000"/>
-                </a:schemeClr>
+                <a:schemeClr val="tx1"/>
               </a:solidFill>
             </a:endParaRPr>
           </a:p>
           <a:p>
             <a:endParaRPr lang="en-IN" sz="1600" dirty="0">
               <a:solidFill>
-                <a:schemeClr val="tx1">
-                  <a:lumMod val="95000"/>
-                  <a:lumOff val="5000"/>
-                </a:schemeClr>
+                <a:schemeClr val="tx1"/>
               </a:solidFill>
             </a:endParaRPr>
           </a:p>
           <a:p>
             <a:endParaRPr lang="en-IN" sz="1600" dirty="0">
               <a:solidFill>
-                <a:schemeClr val="tx1">
-                  <a:lumMod val="95000"/>
-                  <a:lumOff val="5000"/>
-                </a:schemeClr>
+                <a:schemeClr val="tx1"/>
               </a:solidFill>
             </a:endParaRPr>
           </a:p>
           <a:p>
-            <a:endParaRPr lang="en-IN" sz="1600" dirty="0">
-              <a:solidFill>
-                <a:schemeClr val="tx1">
-                  <a:lumMod val="95000"/>
-                  <a:lumOff val="5000"/>
-                </a:schemeClr>
-              </a:solidFill>
-            </a:endParaRPr>
-          </a:p>
-          <a:p>
-            <a:endParaRPr lang="en-IN" sz="1600" dirty="0">
-              <a:solidFill>
-                <a:schemeClr val="tx1">
-                  <a:lumMod val="95000"/>
-                  <a:lumOff val="5000"/>
-                </a:schemeClr>
-              </a:solidFill>
-            </a:endParaRPr>
-          </a:p>
-          <a:p>
-            <a:endParaRPr lang="en-IN" sz="1600" dirty="0">
-              <a:solidFill>
-                <a:schemeClr val="tx1">
-                  <a:lumMod val="95000"/>
-                  <a:lumOff val="5000"/>
-                </a:schemeClr>
-              </a:solidFill>
-            </a:endParaRPr>
-          </a:p>
-          <a:p>
             <a:endParaRPr lang="en-US" sz="1600" dirty="0">
               <a:solidFill>
-                <a:schemeClr val="tx1">
-                  <a:lumMod val="95000"/>
-                  <a:lumOff val="5000"/>
-                </a:schemeClr>
+                <a:schemeClr val="tx1"/>
               </a:solidFill>
             </a:endParaRPr>
           </a:p>
@@ -3659,13 +3245,56 @@
             <a:r>
               <a:rPr lang="en-US" sz="1600" dirty="0">
                 <a:solidFill>
-                  <a:schemeClr val="tx1">
-                    <a:lumMod val="95000"/>
-                    <a:lumOff val="5000"/>
-                  </a:schemeClr>
+                  <a:schemeClr val="tx1"/>
                 </a:solidFill>
               </a:rPr>
               <a:t>Defined as the unavailability of specific items or products at the point of purchase when the customer is ready to buy.</a:t>
+            </a:r>
+          </a:p>
+          <a:p>
+            <a:pPr marL="285750" indent="-285750">
+              <a:buFont typeface="Arial" panose="020B0604020202020204" pitchFamily="34" charset="0"/>
+              <a:buChar char="•"/>
+            </a:pPr>
+            <a:r>
+              <a:rPr lang="en-US" sz="1600" dirty="0">
+                <a:solidFill>
+                  <a:schemeClr val="tx1"/>
+                </a:solidFill>
+              </a:rPr>
+              <a:t>Previous studies show that the average Out of Stock rate is about </a:t>
+            </a:r>
+            <a:r>
+              <a:rPr lang="en-US" sz="1600" b="1" dirty="0">
+                <a:solidFill>
+                  <a:schemeClr val="tx1"/>
+                </a:solidFill>
+              </a:rPr>
+              <a:t>8%</a:t>
+            </a:r>
+            <a:r>
+              <a:rPr lang="en-US" sz="1600" dirty="0">
+                <a:solidFill>
+                  <a:schemeClr val="tx1"/>
+                </a:solidFill>
+              </a:rPr>
+              <a:t>. That means that </a:t>
+            </a:r>
+            <a:r>
+              <a:rPr lang="en-US" sz="1600" b="1" dirty="0">
+                <a:solidFill>
+                  <a:schemeClr val="tx1"/>
+                </a:solidFill>
+              </a:rPr>
+              <a:t>one out of 13 products</a:t>
+            </a:r>
+            <a:r>
+              <a:rPr lang="en-US" sz="1600" dirty="0">
+                <a:solidFill>
+                  <a:schemeClr val="tx1"/>
+                </a:solidFill>
+              </a:rPr>
+              <a:t> is not purchasable in the exact moment</a:t>
             </a:r>
           </a:p>
           <a:p>
@@ -3812,20 +3441,14 @@
             </a:pPr>
             <a:endParaRPr lang="en-US" sz="1600" dirty="0">
               <a:solidFill>
-                <a:schemeClr val="tx1">
-                  <a:lumMod val="95000"/>
-                  <a:lumOff val="5000"/>
-                </a:schemeClr>
+                <a:schemeClr val="tx1"/>
               </a:solidFill>
             </a:endParaRPr>
           </a:p>
           <a:p>
             <a:endParaRPr lang="en-US" sz="1600" dirty="0">
               <a:solidFill>
-                <a:schemeClr val="tx1">
-                  <a:lumMod val="95000"/>
-                  <a:lumOff val="5000"/>
-                </a:schemeClr>
+                <a:schemeClr val="tx1"/>
               </a:solidFill>
               <a:cs typeface="Calibri"/>
             </a:endParaRPr>
@@ -3861,8 +3484,8 @@
         </p:blipFill>
         <p:spPr bwMode="auto">
           <a:xfrm>
-            <a:off x="1598009" y="485377"/>
-            <a:ext cx="4258531" cy="3806994"/>
+            <a:off x="1512247" y="474880"/>
+            <a:ext cx="3543229" cy="3167536"/>
           </a:xfrm>
           <a:prstGeom prst="rect">
             <a:avLst/>
@@ -4051,7 +3674,7 @@
         </p:blipFill>
         <p:spPr bwMode="auto">
           <a:xfrm>
-            <a:off x="6330804" y="880426"/>
+            <a:off x="6372440" y="880426"/>
             <a:ext cx="5346898" cy="2186328"/>
           </a:xfrm>
           <a:prstGeom prst="rect">
@@ -4105,6 +3728,228 @@
           </a:prstGeom>
         </p:spPr>
       </p:pic>
+      <p:sp>
+        <p:nvSpPr>
+          <p:cNvPr id="4" name="AutoShape 4" descr="data:image/png;base64,iVBORw0KGgoAAAANSUhEUgAAASAAAAEgCAYAAAAUg66AAAAgAElEQVR4Xu2dCZxbZdX/f+dmplMoBSZJWwSUV3EBoYAiYl8XQFRA2Zqbjmz6uqGIsogsuZmCo3Ryw6IvggKivryCskxzUwRkcQNF/mwKyPriAgKltJ3cTPfpzCT3/D9PZoqTm5uZJJPJZDn38+mHD51nOed7n/n1uc9yDkEeITAFAv7lvT0gn0OEDDGPMHiIgEGQthlwNsGhDdTmrMv4fOlZ63z2ms+et3kK3UnVJiNATeaPuFNDAkp8SNO+BSADIDv2XweAAzCPmkIEZgKRxkAHjZZLE3gViF5yGK8Q8ytE+FeW2l+ck/H9c2XXOYM1dEO6mkECIkAzCL/Rux4nQFNxZRPUjGlUmNpB2AmMFAEvAPQE2HnOcfBM+9b2p2T2NBXM9VlXBKg+30tDWFUlAZrI1xEAm6BGKdOOAL8O4BEG/4mBxwb8w4/gsB41+5KnQQmIADXoi6sHs2sgQN5uEjaAocSpk4C/MuHXBP5TNqM9MNAVWV8PbMSG0giIAJXGSUp5EJgxASq0ZRjgTQDtRMzPMuF2cuh3qSXG/fLi6puACFB9v5+6ty6QiJlEmO0wb09EcwBtDsA7gDEXhB2YMEdj7MDA9gBmg5EF8QhAPgAd0+Sg2mnbAtD2RPxbZtzWRkN3rQn1rJ2m/qTZCgmIAFUITqpVRmCnO81O3xZ+E/loVwLtycwHQMNezLQHgRfkRApQO2hKoKr1rOXRz7WnwHyDM0u7beDYyCvValzaqZyACFDl7KTmNBDY9Y6e7UeGOt7FwMFMWMRE+xHzWwFsB1AW4O2m2O16AjoYeB7AT9poKCEzoykSnUJ1EaApwJOqtSOwS19s3nAbHQiHDifiwwHaC8xtILRXbgWn1boRQH9k4mvSIWN55W1JzUoIiABVQk3q1AUBf1/s3aTRYiIcxcD+AGaN/anEvgEQ2hhYzk7b9wfC5z1VSSNSpzwCIkDl8ZLSdUygM9m7r8a+Exn8KQIWgtWVEMwp22TGIINe0MCXpsLGzWXXlwolExABKhmVFGwoAvf1tAXXzz6Ks84XADocQNvoOlI5D60DHAdE13S0t1+x6phzU+XUlrKTExABmpyRlGgCAsG+2CHso7MAfIyZO4hIfa6V+mxR4kXEyxm+Hjt0gVrAlqcKBESAqgBRmmgsAv5E7xGkaeeAcSgYVOZCtjr0+CCyTsTuWvpoY3lef9aKANXfOxGLakggmIif6hB/jYC9Rw9Hcmnnjyh30PERhtOdDkUfqqHJTdWVCFBTvU5xplIC82+5eM9su+8sEJ0ChgZgp5LaYqhT1w8Sst2p8NI/l1RHCr1BQARIBoMQcBEIJswTmdANwlvBuSskkzy5A5JDYNxNGY6mToj+bbIa8vNRAiJAMhKEQBEC/mRsETF6Afrw2C7aZKwGAbW4zdc4WVoqN/MnwyUCNDkhKdHyBBZY5tsyjEtBCJX2jzavA6gNxN12KHplywOcAIDMgGR0CIESCajrICM+7RIQfyZXhXNniyZ61qjws45G3xxYHLm7xG5aqpgIUEu9bnG2GgRyN/qHyCTwqQCGSjjgOECgezmbOdfuWvpaNWxoljZEgJrlTYofNScw/5e9C5wsXcygz+e28FXw/eKPDWAHaDjXXmz8oObG1mmHIkAA5vX1HuD4tOsA7O+wc9BAuFsuItbpgK1Hs4LJ2Dvh0BVMOHTy2RCpoGgvasyn94eNJ+rRn1ra1PICFEjGIwBfnDsRC/gIeCKlG++t5UuQvpqDwDwr/hEHfC2APTAaAbLYo7KAqKsgF9q6YTaH95V50bIC1Jno3Y807SpivB3AruPwrSdGJBU21ECSRwiUTSBgmaeDYaqQtEDuUKP3w1gNwqtOW9uXBo5rzfAfLSlAgUTsTBB9H4DKoFB44pWxlch5W0rvVmlg5BEC5RPo65kVaOv4KRhdk8QoGgTRbMA5uxW37FtKgMa2Ua8G8J8Aj5/15A8wdc/H4ZPtcPS28kee1BAC/yYQSMQOBtH1AHYHMLfoZIgoRew80UbDp7RSiNiWEaBgMnY0mK7n0QycKvi516OS3PnAFLXDkbj8IgmBahHotOLna2A1ptQYKxZGdisIgwT+bCoUvbNafddzOy0hQH7L/BYB5+a2QYs/AwD+RpR7+XKXp55HbYPapnbLHNBPiHkfgPwTuLEZhCvskLG0QV0t2eymFqC5N/UEZ82evZyZ9yUgOCEVBxF7iXFJyeSkoBCokIA/ET+LiK+YsDrBBujp4a1tSzae1LyRGJtWgMa2RJcTsBMXT4A3wODX2KedNHB85OkKx5NUEwJlE+i8Lb5Qy+JWgP+j6Nkhhvok26CBlvTrkT+W3UkDVGhKAQomYqcy0TUTJrdjbCbCtSndUJ9m8giBGSHgt8wfEeOzoFxCxiIPZQl8eko31GHZpnqaToAClhkn4Is80ScXYQM5dEoqHLmjqd6mONOQBIKJ+DFMzk0ATbRGuQmMPjtsfLEhnSwmrU3jjMqCkO74OQOLALzF0y8VvY7wHME5Ts74NM2bbwpH5v3q0l2coeydYBUatsgpasIWYjyW8g99DIf1qN20hn+aYgbU2Rd/i+ZzlgO0GwD1x+vZDNANth45veHfmjjQtAQCCfMaEFS4j2L5zBxivJidRYc3Q377hheggGUexASLOLfLVSzvk0Ogz6T0yE1NO3LFsaYhELTiJzHzjaAJrnEA6tjIEbZuPNbIjje0AHUu7z1K0zRrgl0EB4Q1pOGY1GLjL438osT21iIQ7DMP5DasAOfuKRbL1DHiOM5xA0u6GzbYWcMKUDAZPyH3r8RoxkuvR904fiqrDR25bnHPutYavuJtMxDo7IvvpPn4N2AcMEHuMvVJdkqjppBuSAFS2+zqMikX++RibGaN70iHoic2w0AUH1qbQMAyfwngyAkutQ4T8ddToeiPG41UwwlQ7iY76JIJzk2ohHHfs/XIhY32MsReIVCMQMAyrwLwlYnvkfEFjXajvqEEKGiZ32TGt0FFdwiGCTijGQ9sya+mEAgmer/B5LusaPZWxiARLkzpxncbhVbDCFAwYZ7H4KUg2rEYXGaE02FDLUrLIwSakkAgeUkI7EwwxnkLMfWkwsZljQCgIQQoN/NR4gPa2QsqA2rm8ylbN37bCNDFRiEwFQKBFZccDse5t/juGG8h0EWNMBOqewEai17YA6DT+6XxFiZ8LB2KPjSVlyp1hUAjEfBbl3wAcP5Ao7GlCx/GIDSO1PuaUF0L0NilUjWVLAybOop8I8E5NKV3P95Ig0dsFQLVIDAvYb7HAR6YYE10KxGfWc+7Y3UrQMGEeSIDPy4Kl7HBgfNhSaFTjaEsbTQqgc6++ELNxw9M8I/0MDE+V6/nhOpSgMZOON8+wSHDjQ47HxLxadRfG7G7mgTGROjB4jGnKes4OGZgSf2lh647AVJ3u8D4I4g6AI9Mk7k4Ps5H5LOrmkNY2mp0ArnPMYISoWL3IbcC+Ei93R2rKwHqvD3+Fm3EeRhMO3p9ejF4GIRDZcG50X9dxP7pIKAWpgmO+hzzvJ5EjLXZWXRQPd2irx8BUvF87FmPMdGbAQSKvKCPy1b7dAxdabNZCIxt0Rc/jsL8nB0Y3r9e4gnVjQAFrJiK56OCiXnF88kw4wQ5ZNgsvybix3QSGDuseGuRmZBKS3WfrRsfn04bSm27LgRIhVEFcMJYTu0829UhQ02uV5T6PqWcEMgRmLe89wxH09QRlo4CJGod1Ue3pBZHvjTTuGZcgEbP+uBigLySBQ6B6b/tcMSYaVDSvxBoNAL+ZOwyYvpakYXpTaThm6nFMxvofkYFaCx1zu+KTBXVgvPddsg4vtFevNgrBOqFQDAZv5WZjwW8sm5QVgM+OpMpf2ZMgFTSwPaOWY9roO08Mlg4YH7cDkcPqpcXKXYIgUYlELDMhwA6EGCvlNBrh4eG9tl4Uk9qJvybMQEKJOO3EWM/Br/Vw/HXs9rQuyWS4UwMCemz2QjkIiu28dNgqB3m/EclP9ToYTsUOWwm/J4RARrN1c6fB2gPD6cd0vB+ieE8E8NB+mxWArkY0xoe9Q50z2kGrk7r0ZoH8au5AAWTsaPZoV+A4BXXZzOBvizZK5r110D8mkkCuWwbYJVd1SvlzxYi/nQqFL2zljbWVIB2uSs2L7OVnuPRFDruqeBmkOTtquXLl75aj8BY3rHPeiY/JAy0YWivNaGetbUiU1MBCibid7HGHwB7xvZ5zNaN99fKcelHCLQqgUDS/DMYB3r4vxXgB2w9+olasamZAI0GFtO+BbC/wDmVq52dvSRdcq1eu/TTygRyaaC3Zv7ulYueiVLkOBfb4eiVtWBUEwHqTPTup5H2V0+H1KlM0ImpcOSOWjgsfQgBIQAEE/FjGNxXLLuMw87+tQh3UxMBCljmowD2KzwWzusI9NOUbpwrg0IICIHaEvBb5o8IuTz07hAegyB62g5FDp5ui6ZdgALJeATgM8ZSzOb5w8Czad3Yd7qdlPaFgBDwJhCw4s8BvLfHT1er5J92KKLuaU7bM60CNG9F7wEOa4+BveOTOD7ab+D4yNPT5p00LASEwIQEOm+LL9Sy/FSRQlkt67yvv6v7yenCOK0C5E+YfyCCUtd5LgfWs0PL0ksil0+XY9KuEBACpRHwJ+JnETkXAeTeIBoE8FdbN1SYnGl5pk2AAgnz6yCcD3gc/wYesXXjA9PikTQqBIRA2QT8SfOPxFC/k+77Yv1gfMcOGz8ou9ESKkyLAAX6lu0GX9vfAfaKT8tEvFcqFP1bCfZJESEgBGpAIJiMvZOZ/g+AlyZsRTb7drtr6WvVNmV6BMgyrwdweOHsh9LM6E2HI9+rtiPSnhAQAlMj0GnFz9dyGYgx19XSWoB/Y+vRU6bWQ2HtqgtQ5/L4UaTxjeQR15mBv6Z144BqOyHtCQEhUB0CAct8Dsit2+Y9DEqzkz1lYEn33dXpabSVqgtQwDKfAbCnOwASAUPMfIgdjj5STQekLSEgBKpHIJCIHQyiP6Iw5bNK6/MPWzcWVq+3KgtQIBk7E0wRAG9yGbmJwb9I69HTqmm8tCUEhED1CQSS5o1gnARAc7W+EsyXVfOaRtVmQLmgRz5eCWAHDyQDdnZoF3T1DFcfl7QoBIRAVQn09cwKaB39RULmbOTt5uye/uSZG6rRZ9UEyJ80L1U5qAvP/PA6gL5h68b/VsNgaUMICIHpJxCwzNMBqKwa2+f1RljFwC/SIUMdsZnyUxUBCt4SeyfPome9Tjwz85PpcPQ9U7ZUGhACQqCmBIotSAPIauzbuz98/t+nalBVBChgxf8HxEcU3PcibNSYjp7JqPtTBST1hUCrEhjLWnNPwWVV5g1EdHdKN1Quvyk9UxagYGLZ+5h8v/c4O7ARjF/bYSM8JQulshAQAjNGIJgw72KNjgSzWyu2kIaPTDV2+9QFyDJvYeCDAHZ3fStmCLyPnHiesbEjHQuBKRPInZCG9/IKgN/buqEOHFf8TEmA/MnYImL6FVAQYnUrgX+R0qMznvq1YjJSUQgIgRyBYDJ2HTOpU9AFcYM4y4enu6IPVYpqSgIUTJp9PHqBLT/fEMPxtTu7rj2ue02lhkk9ISAE6oPA/F/2LshmtFUe54IA5vvscPSjlVpasQAF+pa9Hz7tXoB2dnU+AsZP7bDx1UqNknpCQAjUFwG/Fb+WiL9YsNPN2AzCYbZuPFaJxZUL0OhpyUML1n6ATKYD89cfbQxUYpDUEQJCoP4I7NjX429v61jjcdRmCxh3V7rZVJEABZKX7A12/uyRW8gh4p+mQtEv1x9CsUgICIGpEMgdt8llNC54BkHagXbogufLbb8yAbLMqwDoHne+uD3LC1Z3RfvLNUTKCwEhUN8EdumLzRvxkVrXdevG6wAsWzfOKNeDsgVo7h2XB2cNjygj3BfVQBrflFocPblcI6S8EBACjUEgkDAToNzkw/04w0NDCzae1JMqx5OyBShgxaMAn+0R5znTBrxrjW68WI4BUlYICIHGIbDAMt+WAV4A8hNNEOglBn5i65FYOd6ULUBBy1zDwPzCTvg+W698O64co6WsEBACM0cgYMV+D9BhHhassnVjt3IsK0uAggnzRCZcWrDzxdjKDn90KgeSyjFaygoBITBzBHIHkEG/BbtuygMvE8NIhY2bS7WuLAEKWOb9AN5bcO+L8YIdNvYqtVMpJwSEQGMTGIt8uo/LiwEw/mqHDa/ZkafDJQvQzsn4/j7wfeCCaxeDGmlf6w9doALRyyMEhEALEBj7GroGwE557hKtc5zsIaXmlS9ZgPyWebnGHGKit+Z1yNhgh418I1rgBYiLQqDVCQSSZtpjQrKSgVvTunFuKXzKEaA0FV46zYLoWjsU+XopnUkZISAEmodAwIpdCWinA+zL94rX2Xq0sxRPSxIgf9JcQpxbfP4PV6PDbcDesvVeCmopIwSai8D8Wy7eM9veptL4zMr/DMOrDHwzHTKWT+ZxSQIUsOIrAFb5oRe4GvyLrRvvm6wT+bkQEALNScBvmU8SsL/Lu36AHrT1yOLJvJ5UgBYkL5uf4YxKydrmamwTMb5czpbbZMbIz4WAEGgsAsFE/FQG/xBUkFM+00ZDu60J9aydyKNJBSiQ6P0aiM4DaI/xDRGwNaUbXrnfG4ugWCsEhMCUCAQsc8gjkaEKWH+FrRtXT02ArPhDAB8EwLXQhBW2boSmZLlUFgJCoOEJBJLmvWB8ovAzjJ+z9agK2VP0mXAGtLO1bA8ffOqKff5Mh6CSki22Q4YKRi+PEBACLUzAn+g9AqDbiSh/MRrY5LTTPgPHRl4phmdCAcqlWnZoKQjz8hugtK1HAi3MXFwXAkJgHIGAZapJyVwXlL+B+Id2KHplZQJkxR8E+D9dlYcIzo0pvftUeQNCQAgIAUUgYJlJ9VXknqiA+amJrmYUnQGp3a8RzrxK7j1+YEADHS/JBmXgCQEhsI1AsC92CPvobvdyDQPD7TT05mK7YUUFKGCZKs/7twoOHxIG7JDhF/RCQAgIgfEEPD/DCP8C49u2bvyvF62iAhRMxG5lIpV0zLXWwzfZukQ9lKEnBIRAPoGAFVsB0PEuLhtB9Bs7FPGKolgQ2/WNugHL3Ahgh7zGCAPk0H+lwpE7BL4QEAJCYDyB4G3xYzjDN4Mwx0Vmi60b7r/LFfGcAQVXmIeywzcAlJ9wEMja/qHZOKwnI+iFgBAQAnkE7utpC6Q71KFEd7x4mxyEU0sMFU/MNafxYBiw4hcTcDKD80JvMPCntG58WLALASEgBLwI+BPmU0RY6PrZeoCvsvXohSUKkPkwgINdhTczU3c6HPm+oBcCQkAIeBEIWGYcwAUFQkP8ZCoUfc+kAtTZF99J87FKrZF/+ZSwwYHzwYFQ9zOCXggIASHgRaAz2buv5miPF1xOJWScDAUHuiLrx9crWAMKJmNHM5O6QJa3/kOgVEqPuE5Ey0sQAkJACOQTCFjxTQC7F51fJeLTU6HonRMKUMCKXQJoXwLYfdZHZT4MC2whIASEwEQEApbXEg6/CqKb7JARmXgGZJl/ZuDA/A54C4G+kdKN6wS9EBACQmAiAkHLvJCB7+SXoREwP2aHjQ8WF6Bi22iMzezw+9NdURV+UR4hIASEQFEC/r7Yu8mnPQlwe14hZscODHeMP8aTtwbUacU+qIF+WXD6mbHZDhv5hxLlBQgBISAEihAIWOYggNmuH690wCcM6NEHt/19ngD5rdjZgNZN4KCr4sO2bqiY0PIIASEgBCYl4BUrmoEX1XmgtB69wlOAAknzRjBOLjwhTTFbj3RP2qsUEAJCQAgA8Cfj3yXmc8bDYEKKgHvskPEZTwEKWvF/MHhPF8FBJoTSIeMeISsEhIAQKIWAP2keSQ5WgFyfYYy/22HjnQUCtODey+ZkNmXWeWS/GG7P8u6ru6L9pXQsZYSAEBACu/TF5o34aKVHsPpM2w5tO6854rzNitIba0D+ZGwRMVkA3pSHT+L/yGgSAkKgAgIBy1QTmvy07YzVrHEoHYo+lCdAwWQuv8+F4PwT0AA/YuvRD1TQv1QRAkKghQn4k/EniPmAPASM1aTRRalQ5Md5AhRImleA+b8A2jmfGV1l65EzW5ijuC4EhEAFBAKW+TMAn3VVHQDjBjtsnJ0vQJb5OwAfdRUeJtDnU3rkpgr6lypCQAi0MIFgwjyNCdcUIqB7bT1ypFuAXgewi6vwJo3xkf6w8UQLcxTXhYAQqIDAvIT5HofwWGFSU37N1qO7vyFAu97Rs/3QcIfK6+POfprtmDW046pjerZU0L9UEQJCoIUJjOmKCu3sjpCY2S7bsePKrnMGc7tgnbfFF2oO/wGMTvf3mq1LBowWHkPiuhCYEoGAZart9u3zGiFa5WRw5EBX5OmcAAWWx4+Dj68vFCB63NYjrpvxU7JHKgsBIdBCBPxW/EVyhXYG6O8E59yUHr19VIBUCmamywHk314l3GCHjP9qIV7iqhAQAlUkEEia94FxqGsG9ALgXK1SNo9+glmxKzXQGXmFGFsZZKbDEVdcjypaJ00JASHQ1AQCCfMaEE5zOfkvBqy0bpybE6DgcvNO1vApVyEVu/XsYhkNm5qaOCcEhEBVCASt+FcYfK2rsQFi/k0qHP30qAAlYk8wUf6JRdA6gJfYuvHbqlgijQgBIdByBAKW+TEAKg50x3jnCXgwpRsfGl0DsuKvAbxr/ncaNnCGF0kUxJYbM+KwEKgagdHoiOosEOXthDHolbQe2WNMgAqjlxEwNNKBN60/2hiomjXSkBAQAi1FYKc7zc62rVhTkKYHNGjrke1JheEY2ZRJEzDLRSZr60Z+brCWQifOCgEhUA0CAcvMug8jMjDcvkObn3a2lu3hg++vBdfmgfW2brguplbDHGlDCAiBViLgeRiReUOWnP1o3opLD3Cc7K8B5CcdZLxih409WgmU+CoEhED1CQQtcy0X6ku/5vN9goIrzEPZwc3ui6gMPJXWjf2rb460KASEQCsR8FvmSwT8h8vnVaThZApasWMZ2o8AzrsJz8CDad34UCuBEl+FgBCoPgG/Zao7X/u6Wn6FwGdQMGmezIz/dn+CMXBPWjeOqr450qIQEAKtRCBgmSr8qiuqKr9MDnVTLhQrO5cWRkLkhK1Hl7QSKPFVCAiB6hMIWLFfA/Tx8S0z4V8aKEZjF1HNwivz/DM7FP1c9c2RFoWAEGglAoFEzAJRKM9nxivQ+LvqE+w8ZsQLggaxc60d7v5qK4ESX4WAEKg+gUAidgOI3khGONbDSmJcSQErHgVY3XjPi4ZIjP9OhY28zIbVN01aFAJCoNkJBKzY1QC5JzOvA/QD8ifjFxGzUZBIXoNpLzaizQ5H/BMCQmB6CQST8cuY+VxXL/3M9AMKWmYPA2qmMzdvkQjOxWm9+6LpNU1aFwJCoNkJdCbMZRqh2+XnAAFXbhMglfcrLx60w07vQLh7abPDEf+EgBCYXgKBhLkMhQK0kYDvkT8Rv4iIv+4+B0REl6dCkfOm1zRpXQgIgWYnUOQTbCsTmdsWoZUA5eeEB19j69HTmx2O+CcEhMD0EiiyCJ0F6CIKJszzmKA+wXKJwt54mG+0w1F3WtXptVRaFwJCoOkIFNmGd4gRGT2I6NA3QXiLS4CSdjiqNx0NcUgICIGaEvA8iAhsAbGRu4rhgKPE7tuq/Btbj36ippZKZ0JACDQdAa+rGACvI9LOp+By82TWuBcgd+yfh23dWNR0NMQhISAEakrA+zIq+onwjbFwHHQVkP8JxsAzad1YWFNLpTMhIASajoB3OA5aTXC+si0g2S8A5GXFYOBfad14a9PREIeEgBCoKQHvgGS0mjQ+cTQkazb7a1B+SFYC+lO6Mb+mlkpnQkAINB0Bz5CsQL+m+T4xGpSefU+BsKPL8y22bsxpOhrikBAQAjUl4BmUHlifRXb/idLyOLZu5N2Qr6nV0pkQEAJNQWDCtDzKw4AV3wLwdnneMkYys7FAEhM2xRgQJ4TAjBAonpgQW23d2C6XGdVvxV8mcP5BRPAWzuIgSc08I+9NOhUCTUGgWGpmgFbZemS3nAAFLfNPDHzQ5fEQgKNt3fhtU5AQJ4SAEKg5gYBlfgzAnQA6xndOzE+mwtH3jApQInYrUy5odF5IDgKdltIjP6q51dKhEBACTUEgaMW/wuBr3c6Qg1+llhhHj32CmZcToO595ScPY1xrhw2JC90UQ0GcEAK1JxBImNeAcJq7Zwd81YAePTMnQLkLqdBOB/O78goS7rdDxmG1N1t6FAJCoBkIBJLmfWAc6vJlBMTn2qHolWNrQLnsqJcD/I7xBRn0UlqPvK0ZQIgPQkAI1J6A34q/SOD8GxWEAWLtcyn9gttzAtTZF1+oteEeMOddxwAghxFr/86kRyHQNAQ8DyESBpwMHTLQFVEpm4Hd+7633aBvaAOANpfnTsesobmrjunZ0jRExBEhIARqQmDXO3q2Hxru2FiQcxDIdswa2lHpSk6AcutAVmwlQLu5LMtqjIP6w8YTNbFYOhECQqBpCMxLmO9xCI+5cw4CWG3rRi4E9DgBit8D8BFu74nx1VTYKNhGaxpK4ogQEALTQiCYME9jwjUejf/e1o3D8wUoYV4BgooBnXcWCMANtm7817RYKI0KASHQtAQCVvxnALviyvM6EP3MDhln5wmQCs3KDn8HhF3GE2GiJ9OhyHualpI4JgSEwLQQ8CfjTxDzAXmNE14l0MWpUOTHeQLkT8YWEZNVmJ4H623d2HlaLJRGhYAQaFoCActcB2Anl4OvM7GeDkUfyhOgBfdeNiezKaMquHfChtuzvPvqrmh/05ISx4SAEKgqgV36YvNGfLQSwCxXw5m2Hdp2XnPEeZvzBEj9T8AyXwDwzvwKNMjEoXTIuKeqFkpjQkAINC0Bf9I8khysAGH2eCcJ9M+UHnn7tr97YxcsJ0BJ80YwVCqevFCszHR5Oixpmpt2tIuW8gQAABqsSURBVIhjQqDKBPzJ+HeJ+RxXswzCL+yQ8RlPAfJbsbMJpC6fumZBeMLWjfdW2UZpTggIgSYl4LfMJwnYf7x7DKQA7k3r0Ss8BajTin1QY7qpIEsqaNDWI9s3KStxSwgIgSoTCFjmIJD/+QXAdsDHDejRBz0FCPf1tAXsWUMg0vLsYYywwwdIdMQqvyVpTgg0IYHRKIjakwC3u9xzbP9QBw7ryXgLkFoHSphKnQ4CIb8yY6kdNnqbkJe4JASEQBUJBC3zQga+426SwI+n9OiB4/8+bxFa/SCQNOPM+DS5gpMR8GBKNz5URTulKSEgBJqQQMAyHwZwcL5rtA5wrrP16AUTClAwGTuamX4AwJ0rfpOtG3ObkJe4JASEQBUJBKz4JoDdOQVfI+LTUqGoig/9xlMwA+rsi++k+TjldSDRIefAgVD3M1W0VZoSAkKgiQh0Jnv31Rzt8YIlHCDjZCk40BVZP6EAqR8GE+bjTPC4/0UxW490NxEvcUUICIEqEghYZhxA3mdWrnniR+1Q1PVZNi4cx3gbAlbsYkD7OsB5d8AY+GtaN/Ivl1XReGlKCAiBxibgT5hPEWGhy4tXAfqZrUcudHtX8AmWmwEtNw9lDQm1Ju2qULCN1ti4xHohIASqRkAd40l3qHyC+cd4gFWk4eTUYuP+kgRIFfKM5crYTG10Yur4yB1VM1oaEgJCoCkIBG+LH8MZvhmE/AVoxmY7bOzg5aTnDCgnQMm4BWaVrNC188W32Xp0cVMQEyeEgBCoGoGAFVsB0PH5DfI6Yvw6FY5+ujwBsszPgfAtsCtZIbDR1o0dq2a1NCQEhEBTEAhYpkps4T6q8wqAb9m68b9lCdCCZM/8Ee54lQrjeQxSlo9KdUX/0BTUxAkhIASmTCDYFzuEfXQ3gO3GN8bAcDu1vXlN6Ly1ZQlQ7jMsYd4Hov0A9rsqr7B1IzRlq6UBISAEmoJAwDKTAAqXZggP2SHjP4s5WXQNaHQdKHYmmL7mEZ5DPsOaYtiIE0KgOgSKfH71g3iZSsFckQB13h5/izbCzwLIW8Fm5mGAj02Hu++tjvnSihAQAo1KwJ/oPQKg24nIHX51MIvs3uv0pS9XJEC5WZAVux+gdwOYl9cI4dd2yCjII9aoEMVuISAEKiMQSJr3jkVSHd9AFqDHbD2yaKJWJ/wEGxUg83QAKofPO1wNDdu60VGZyVJLCAiBZiEQsEx1+NA1++GXwXyZHe7+4ZQESO2GZbjjtYLLqYwRAn0tFR7N7yOPEBACrUcgmIifyuAfel0+baO23Yrtfm0jNekMaHQWFF8B8Afdn2FyN6z1Bpx4LATGE/CK/QxgDUAP2Xpk0gPLJQmQP2kuIeC7YLzZ/RnmG8m8e+0JF/5TXosQEAKtRWD+LRfvmW1ve84j99e/mHB+OmQsn4xISQI0OguKDQDkypBKWcC52tajZ07WkfxcCAiB5iIQsGJXAtrpAPvGe8bAQFo33GcHPZ0vWYD8lnk5Aeo+x+55LREG7FBpnTUXfvFGCLQ2gUDSTIPROZ4CMb/kECXTunFuKXRKFqDORO9+mub7Azg/RhCA9cT4aips3FxKh1JGCAiBxicQTJgnMuGagtzvhIEs6LB1ochfS/GyZAHKfYblrmbkko3lqR6AZ23d2LeUDqWMEBACjU8gYJkqNPM+Lk82Anjc1o1DS/WwLAEaUz2zIGA9YQuDP5YORR8qtWMpJwSEQGMS8Cdjiwj0WzDcyUpXEuP8cr6GyhKg3CzIMtWZoF0L0fF9th79aGMiFauFgBAolUDAiv0eoMPc5QlYm9KNBaW2o8pVIEDxKAFfYvBbXR1l2oB3rdGNF8sxQMoKASHQOAQWWObbMsALHllz+gG6wtYjsXK8KVuA5t7UE5zV0bHGI+4rwLDssBEuxwApKwSEQOMQCCTMBAi6h8XO8Kz2BRuPOVel9Cr5KVuAxj7DrgJyRrzJ1RO3Z3nB6q5of8kWSEEhIAQagsAufbF5Iz5Skw+3brwOwLJ144xyHalMgJKX7A12/uKOfjbaOV1v65EvlGuIlBcCQqC+CQSs+P8A/HkPK7eAtPfZoQueL9eDigQoNwsanYodBbhWwgmZzCzMX3+0MVCuMVJeCAiB+iSwY1+Pv72tYw0YbS4LV4Jwvx0yPlOJ5ZULkGUeBIY6F5SfgoOQYaafpvXIaZUYJHWEgBCoPwJ+K34tEX+xUIB4HbLOEXbX0kcrsbpiARqdBcV+DyrcjgPg+NqcXdce162+F+URAkKggQnM/2XvgmxGW+Wx8fQqER5OhYyuSt2bkgD5+2KLyEe/81gLGiTin6dC0S9XapjUEwJCoD4IBJOx65jpFI/f8wEm/tRUDiBPSYBysyDLVAJUeACRkCHwPqlQ9G/1gVGsEAJCoFwCwWTsnQx61mvth4AHU7pxQrltji8/ZQEKrjAPZAd/LFyMJiaH70mFjU9OxUCpKwSEwMwRCCbMu1ijI8Hs1oqNxNmPpsJL/zwV66YsQKrzoGXewsxHgcidMXVQAx3Zr0eUQMkjBIRAAxGYZ8U/4oDvKfj0IqwC073VOG5TFQGal7j0HQ5l1RmAvMBEY6yft3VDZdWQRwgIgQYiELBMFe1w7wKT1fLKMO+TOmHqyytVESBloD9pXkrAyeCCi6pbAJxn68bVDcReTBUCLU1gLBvOZQVLK0A/E/43HTLOrwag6gnQXVfuSIObV3okp1d3xDbYztA8dPUMV8NoaUMICIFpJNDXMyugdfSD4F5SUZ1ucrK0+0BXZH01LKiaACljAonYmSA6ryBsK+CAcFOlpyWr4ai0IQSEQGkEAknzRjBO8jj38zqI4xOlWi6th3+XqqoA5UTIMp8G8HYAs13GDIP5I3Y4+ki5Rkp5ISAEakMgkIgdDCK1aeROs7wVwD+rHfm06gLUubz3KNJ8PyewV1R8WZCuzTiSXoRARQSKLTwzYLNDnxlYErm7ooaLVKq6AI3OgmI/B+jjAOa7+t3ogJYN6JFLq+mEtCUEhMDUCXRa8fM18FKPddxXAfzO1g2vm/BT6nh6BKhv2W7w+f7h8RmmjGUi3ktOSE/pvUllIVBVArkTz0z/5x0llQaRzbzD7lqqwjFX9ZkWAcrNghLm10G4yJ3OGcAIEx5Oh4yPVNUTaUwICIGKCfiT5h+J8QEA7a5GXgXjUjts/KDixieoOG0CNPYp9v8AUul65ubbwGlm7TvpcOT70+GUtCkEhEDpBPyJ+FlEzkUAuddt+5nxfDpsHFJ6a+WVnFYBmtfXe4DTpj3mcZEtZ6Xjo/0Gjo+oXTN5hIAQmAECnbfFF2pZfsqza0JGI+eg/sXdT06XadMqQLlZUDIeATunA/TmQifoeVuPyDWN6Xq70q4QmIRAwIo/B7DXdYtVAF1lhyLx6YQ47QKkjA8mzT8x4x0eu2KDDNyY1o2vTKeT0rYQEAKFBPyW+SMCVCjV7Vw/HQLwlK0b759ubjURoFxeedK8c0UzthKoKxWO3DHdzkr7QkAIjBIIJuLHMLgPVHBgOPdzh539B8Ld3p9mVYRYEwHKfYoVv6ahduY3abPb3tH/qfNXV9E3aUoICAEPAkGr900M+htAO3gsi6TBzrftcPTKWsCrmQCNilDcAvHBAHYrcI7wFztkvK8WTksfQqCVCQSS5p/BONDjd3CAHHo4FY7ULIhgTQVIJTbL+OhZBuZ5DIAtYNxgh42vtvLgEN+FwHQSCCTMa0D4rEeYDRAh1Tab3736k7VLLFpTAcp9eyZjRzPTTZ5hO4DNBPpySo+on8sjBIRAFQkErfhJDL4OcKXSUn0wNpDGJ6dC0Tur2OWkTdVcgJRFfsv8FgFf8zglrUA45OD9qS5DZV6VRwgIgSoQCPaZB7KGR0HQCpvjlxl0fVo3vl2FrspqYkYESFkYSJr3gbEIQIfHt+irToYWVivoUVlEpLAQaDICnX3xnbQ2fhqMgrN4BHqJCU/ZocjxM+H2jAnQ3Jt6grM6Op71OBukOGQBPF6LcwgzAV36FAK1JBCwzIcAOhDgvHteBKQc8ODI0PB7N57Uk6qlTdv6mjEBUgaMRd3/vWcwe8YICHfbunHcTICRPoVAMxAIJuO3MvOxRSJTZDTQ4TOZtWZGBUi94GAidiprdAkYnR4vXMWQvs7WjTOaYTCID0KglgT8ydhlxKTWWt0nndWq8xpiXJgKR39cS5vcfc24AOXWgyxT3Tf5gueiNDBC7FyQCnf/90yCkr6FQCMRmLe89wxH01RWi8I1VuBlALfYuhGZaZ/qQoByMyGV3BD4BOA1E6IsiLrs0AXJmQYm/QuBeicQSF4SAju3AmjzsPU1gB+y9eiSevCjbgQI9/W0BdIdDwNY6BEQe5SVpn3MXnyBykUvjxAQAh4EAisuORyO89sicPqJ+bVUYPggHNaTqQeA9SNAaurTF3+L1sYPeSQ33MYqy9A+lNYvUEIljxAQAuMI+K1LPkBwHigy8xkAMOi006KBYyOv1Au4uhIgBSVgmQcBUGlB3Gl9cswYGPYxPtAfNp6oF4hihxCYaQLzEuZ7HMKD3gvO6tcGKq3OIbZuPDbTto7vv+4ESBmnUvtomqbCc3jlmlcqtNlxaNFAl0RTrKfBJLbMDIHOvvhCzcdKfFyhj9+wJ+M4zrEDS7qrmlKnGt7WpQApx4LJ+Algvp6LzIQArHey9GERoWoMA2mjUQmMiY/67NrJ0wfmDQQ6LRU2bq5HH+tWgHIipM4Iga4sFjQJwEaNcYh8jtXj0BKbpptA7rMLeADkcbl0NL9OP5i7Z/qsz0Qc6lqAcmtCo4HMlk0wvRxkaB+VhenpHu7Sfj0RUAvOgPMHKkyhvM3M1WA2axVYrFI2dS9AuZmQZX6TwVGPtCHb/M5A046ULfpKh4HUayQCY1vt9xZdIwXWEnBpSje+W+9+NYQAjX6Omecx4dwil1dHOZOmy2HFeh9yYt9UCIwdMrSKt8FpYoqnwoY6BV33T8MI0L9nQjkR2qUI2YzmOOf0L+m+qu7Ji4FCoEwCwUTvN5h8lwHsvTsMbCTg240w89nmekMJ0LY1ISJaWiSsqyoyxMRXpUPR88p8v1JcCNQtgYBlqn9UVfoqd+rkUZtZnfPhC+p9zccNuOEEaPRzTO2O4XIQ7VhkxAwS0R2pUOTTdTuixDAhUCKBgGX+EsCRxa4okTpkyHxmPe92FXO1IQVoVITME5lww9hCnJcf6uTnk06WjpTIiiWOdClWVwRykQx9/BswDgAVmfkAWSI6JRWK3FJXxpdoTMMKkPJv7MS0WpBTYuMRT4hGQLyaMlgsMaZLHBFSrC4I5GI4t2HF2L3IYms+Wx3HCdXjCedSITa0AOXWhEbvjt029m3sle5nNNA90Wck20apw0LKzSSBXPYK5hu9A8jnLBsGIQXG8fV2t6tcbg0vQLmZ0O3xt/iGnV8ykRKgwqSHo1Q2g3Gj5B0rd4hI+VoSGMvbpfK1zynSr7rV/qKTpdBAV/3caq+UUVMIUM75XDyhWTcDpGZEexQBsgWE57UO39GSBrrSISP1poPAvF9duoszlL0TjL29kgaO9dlPwO9T/qFT6iWez1RZNI8AjZEYDe/KnwNoQXE4vIlYOykVjqgb9/IIgRklEEzEj2FybvLO1T5mGmEAnIuPPuNhVKsJq+kESMHJbdMTXU3AOgaCnsAYW9UuWlo31NkKeYTAjBDwW+aPiPHZCS5cK7uyxPzVRtxmnwxqUwqQclql/MnC+bkGLcPgtxYBMQjQvxwfPj1wvMQWmmywyM+rR6DztvhCLYtbAf6PIkHEVGdDKuyMBloyk6lzqud1YUtNK0DK1Vzyw9mzfwJ2DgCo2LpQjgqzc3Y63P396YQtbQsBRcCfiJ9FxFdMQqMfhGeHtw4tmamkgbV4W00tQNsA5nLRM84BodjJaSVBaSZ6VgN/KRWK/q0W8KWP1iIQTMbe6YB+Qsz7TBDZQUHZyMB3ZyJXe63fSEsIkIIaTMaOBkhFWPQVSYKoio2ogN4OKDKgRy6t9cuQ/pqXQKcVP18Dq/x3KhuF930u4LVcfB/iL6RC0Tubl8a/PWsZAVIu73JXbF5mi/YzJhwMsH+CF7wRwEowf94ORx9phYEgPk4PgUAidjCIrgew+wRB9VTnK8H0aLvjnLa6K9o/PdbUX6stJUDb8I9FWVTrPWqRzytz5Lai6sRpn50Z+iK6elSaaHmEQGkE+npmBdo6fgpGV9E8d6Mtrc3FuGI+q9FuspcGYuJSLSlACklnonc/jbSfgLDbBHnIVFEHjE0gGLZuXF0N6NJGcxMIWObpYJgg7KDSaRb3ll8l0CtZdk4fCHc/1dxUvL1rWQF6YzaUjEcAvhgMdcTd+y7ZaOEtAF7WQKc165ZoK/4CVNNndfTDAV87dhJ/+wna3gjCdgBdaIcial2oZZ+WFyD15uet6D0gm9W+TwR1XujNk4yGQWLcD43Plt2ylv29yXNc7W7BoSuYcOgEZ3q21ekH+B9alk/v7+p+stUJigCNGwGBhPl1EF0KcGpCISJigLMEvl7z8YVrj+te0+oDqRX9n//L3gVOli5m0OcB8oF5ot8ntdazIxjn2WHjB63Iy8tnESAXlUDfst3g8y1j4BgavZHsmSJ6rNqgWsRm0I+zHWysP9pQn3HyNDmBne40O31DZBL41LGNjO0mcHkrg7YQnLuRdS6wu5a+1uR4ynJPBKgIrs7l8aM0jVVmAbVd/6YJqVLubAfAdGN71rmglbZRyxptDV54l77YvBGfdgmIVbgMFWeqbRKXVgJY5zjO+Y0cNGw6X5sI0CR0A8nYmWDqBaBmOxMtUm9ricFIthHOX6MbL07ny5O2a0NggWW+LcO4FITQaMLRSR7CKjDmgnlpK26tT4Zn/M8nh1lOa01aVsXmpTbuJuAbuXMbjF1LcDUD8ANM6E6Hog+VUF6K1BkBfzK2iBi9AH1YnZCf1DzmDSCaw4TvYfacZelPnrlh0jotXkAEqIwBELwl9k5u19S2fVjdUh473TpxC4QtYLykBnIqbNxcRndSdIYIjCU86IbaFWVMtJ0+3sItBNxB7LuwP3z+32fI9IbrVgSoglcWTCx7H8h3LgOfALCphK171ct6kDrUyD/3jWS/v/aEC/9ZQddSZZoIzL/l4j2z7b6zQHQKOHd4cKcSu1Kf5g+RhvNTi42/lFhHio0REAGawlBQU3QN9A1m/jhASojUfZ9JHsqqLXwGnteYfpgKR348WQ35+fQRCCbipzrEXyOoUKjkmyDraN5sB2qlD/woO+hOd8kndqVvSASoUnLj6gX6lr0fbb4zwLlFSvVpNvGu2ba6jBEQGIT72XG+lw5331sFc6SJSQj4E71HkKadA8ahOfrFc265W3odwM5g3AXCJY2ekaIeBooIUBXfQiB5yd5g53QA6o9d4q5ZzgJmHiYidTn2t5Tl76e6on+oomkt31SwL3YI++gsAB9j5g4imlUqFAK9xGAV0O5qkHa1Hbrg+VLrSrmJCYgATcMImXvH5cFZw5kvE/gsVjmcRtcT5pbRlVpXULtovyOf9j+pnbbe3SxZEMpgMLWi9/W0BdfPPoqzzhcAOnxsF2uiA4Pu/tShUrWL1Q7QD4eHtl7XzJEJpwa78toiQJWzK6nm2I7KV0DYjxxex0TF4lN7t8fYrC4uMuNZItzlkPPzgVD3MyV13mKFOpO9+2rsO5HBnyJgIRiDoKL5tYrRWQmiHeDwkwRcJzuX0zuIRICml+8bre+cjO+vce4E7RdodJ1I/Ws8QeqgIobl1o1oGOBnCPiVk2Ur3RV9rkZu1FU3/r7Yu0mjxUQ4ioH9x+LulPxpNc4ZFX95K5jnMuinzM4NrRoeo9YvWASo1sTV3Y6kuYSYTgL4aIBfA0jtnhXL/z2JhTQytqv2Aoh+B/BvZmX4L812HURdgxhuowPh0OFEfDhAe4G5rYwFZDdHFXVwHaAiINCdTHxTOmQsn4Hh0NJdigDN4OtfkLxsfsYZXgLynQKw+hdcbeWXct2juNWMrWM5xQeZSB2AfIqYHyLgkfaOoRdWHdOj4hrV7bPrHT3bjwx1vIuBg5loEatPV86lVVLxc9QRhnLWcVx+Unos0sGuAP8FoL42GkqsCfWom+ryzAABEaAZgO7V5c7Wsj18pB0H0AnMOJCA1QDvCNDOVTIxO3aPSd3OXkPEL8PB/xHRkwz+J2d5VXZ7en26b/TnbpJv4TeRj3Yl0J7MfAA07MVMexBYfZKq6ANc+YywgJYK/mUzY1di/D9ovMJp024bOLbx86pXaVzMaDMiQDOK37vz3MyIM58k5qMY9ClQbs1ICchkwdIq9WZIfcaBqR2U+xTcSsBmB9isZmWUm5nxRjBUsH61KL6JSNvMDqtjAyCNOpidOeBcCNI5ILXjR3MZuf/fQQPm8LbQJowsiEdGD/1NGI+7Ul+URety/qhZE9E9YL6jjYbukpnOFJBOU1URoGkCW81mgyvMQ9mhw0HOJ8D0XgBrAJoDcLVmR9U0t7ZtMUaYculs1FjejYCnGfwrcuh3qSXG/bU1Rnorl4AIULnEZri8upnva3M+zIwPkzpUBzoAwACDmMCBksJFzLAPU+xerdesA6tPNd4doIeh4QEC/ymb0R4Y6Iqo2aI8DUJABKhBXlRRM+/raetMzzqYgIOI6EBiWjR2aldtLWfU1nIV15FqTWsAjKHcdZXRxfkXQXiUmf/CwGMD/uFH5IBmrV9JdfsTAaouz7pobcG9l80Z2TyynwZtXwbvA8ZCAO/O/RJT7nSvWuZV6zPFMnTWyg912ng91BUUdQNdHRpkng/wGkB7Bsz/Rxo968B5pn1O+1NrjjhPrUnJ00QERICa6GVO5ora4h4cnL2nRngbfM4eDuPtPofeBuLdmDT1i+9nQKPR6I/qCkl2dGmF1S1xdSVBHfLbtkul0lirPyoc7bY/WTAc1uBQLkA7qcpt4JzQdTBhNoFUJIB+DfwqmF9ziF4l4leI8a9sVntpDmb9Y2XXOap/eVqAgAhQC7zkclxUs6ehTUPBdm1WJyO7MxzeEUTqM257hrMdOdTBRO3MaNOIc0n3HCaHCBliHmGNhwjaILK8BRpvhEYbCL51I87wQMcOHSmZxZTzNpq/7P8Hn0k+J6UZ00oAAAAASUVORK5CYII=">
+            <a:extLst>
+              <a:ext uri="{FF2B5EF4-FFF2-40B4-BE49-F238E27FC236}">
+                <a16:creationId xmlns:a16="http://schemas.microsoft.com/office/drawing/2014/main" id="{87E0C67E-DA97-4E48-808B-6F1AA2AAE52A}"/>
+              </a:ext>
+            </a:extLst>
+          </p:cNvPr>
+          <p:cNvSpPr>
+            <a:spLocks noChangeAspect="1" noChangeArrowheads="1"/>
+          </p:cNvSpPr>
+          <p:nvPr/>
+        </p:nvSpPr>
+        <p:spPr bwMode="auto">
+          <a:xfrm>
+            <a:off x="5943600" y="3276600"/>
+            <a:ext cx="304800" cy="304800"/>
+          </a:xfrm>
+          <a:prstGeom prst="rect">
+            <a:avLst/>
+          </a:prstGeom>
+          <a:noFill/>
+          <a:extLst>
+            <a:ext uri="{909E8E84-426E-40DD-AFC4-6F175D3DCCD1}">
+              <a14:hiddenFill xmlns:a14="http://schemas.microsoft.com/office/drawing/2010/main">
+                <a:solidFill>
+                  <a:srgbClr val="FFFFFF"/>
+                </a:solidFill>
+              </a14:hiddenFill>
+            </a:ext>
+          </a:extLst>
+        </p:spPr>
+        <p:txBody>
+          <a:bodyPr vert="horz" wrap="square" lIns="91440" tIns="45720" rIns="91440" bIns="45720" numCol="1" anchor="t" anchorCtr="0" compatLnSpc="1">
+            <a:prstTxWarp prst="textNoShape">
+              <a:avLst/>
+            </a:prstTxWarp>
+          </a:bodyPr>
+          <a:lstStyle/>
+          <a:p>
+            <a:endParaRPr lang="en-US"/>
+          </a:p>
+        </p:txBody>
+      </p:sp>
+      <p:pic>
+        <p:nvPicPr>
+          <p:cNvPr id="7" name="Picture 6">
+            <a:extLst>
+              <a:ext uri="{FF2B5EF4-FFF2-40B4-BE49-F238E27FC236}">
+                <a16:creationId xmlns:a16="http://schemas.microsoft.com/office/drawing/2014/main" id="{EA35CD89-A75A-4916-BA2D-16519AEE94C3}"/>
+              </a:ext>
+            </a:extLst>
+          </p:cNvPr>
+          <p:cNvPicPr>
+            <a:picLocks noChangeAspect="1"/>
+          </p:cNvPicPr>
+          <p:nvPr/>
+        </p:nvPicPr>
+        <p:blipFill>
+          <a:blip r:embed="rId5"/>
+          <a:stretch>
+            <a:fillRect/>
+          </a:stretch>
+        </p:blipFill>
+        <p:spPr>
+          <a:xfrm>
+            <a:off x="9655812" y="3214382"/>
+            <a:ext cx="2429360" cy="2299730"/>
+          </a:xfrm>
+          <a:prstGeom prst="rect">
+            <a:avLst/>
+          </a:prstGeom>
+        </p:spPr>
+      </p:pic>
+      <p:sp>
+        <p:nvSpPr>
+          <p:cNvPr id="8" name="TextBox 7">
+            <a:extLst>
+              <a:ext uri="{FF2B5EF4-FFF2-40B4-BE49-F238E27FC236}">
+                <a16:creationId xmlns:a16="http://schemas.microsoft.com/office/drawing/2014/main" id="{7FAAAC1B-248D-40A5-9918-06A69C74CE8B}"/>
+              </a:ext>
+            </a:extLst>
+          </p:cNvPr>
+          <p:cNvSpPr txBox="1"/>
+          <p:nvPr/>
+        </p:nvSpPr>
+        <p:spPr>
+          <a:xfrm>
+            <a:off x="6096000" y="3276600"/>
+            <a:ext cx="3389745" cy="3754874"/>
+          </a:xfrm>
+          <a:prstGeom prst="rect">
+            <a:avLst/>
+          </a:prstGeom>
+          <a:noFill/>
+        </p:spPr>
+        <p:txBody>
+          <a:bodyPr wrap="square" rtlCol="0">
+            <a:spAutoFit/>
+          </a:bodyPr>
+          <a:lstStyle/>
+          <a:p>
+            <a:pPr marL="285750" indent="-285750">
+              <a:buFont typeface="Arial" panose="020B0604020202020204" pitchFamily="34" charset="0"/>
+              <a:buChar char="•"/>
+            </a:pPr>
+            <a:r>
+              <a:rPr lang="en-US" sz="1400" dirty="0"/>
+              <a:t>OOS has been found one of the </a:t>
+            </a:r>
+            <a:r>
+              <a:rPr lang="en-US" sz="1400" b="1" dirty="0"/>
+              <a:t>top influencing factors</a:t>
+            </a:r>
+            <a:r>
+              <a:rPr lang="en-US" sz="1400" dirty="0"/>
+              <a:t> regarding customer (dis)satisfaction.</a:t>
+            </a:r>
+          </a:p>
+          <a:p>
+            <a:pPr marL="285750" indent="-285750">
+              <a:buFont typeface="Arial" panose="020B0604020202020204" pitchFamily="34" charset="0"/>
+              <a:buChar char="•"/>
+            </a:pPr>
+            <a:r>
+              <a:rPr lang="en-US" sz="1400" b="1" i="1" dirty="0"/>
+              <a:t>three-strikes-and-you’re-out</a:t>
+            </a:r>
+            <a:r>
+              <a:rPr lang="en-US" sz="1400" dirty="0"/>
+              <a:t> pattern.</a:t>
+            </a:r>
+          </a:p>
+          <a:p>
+            <a:pPr marL="285750" indent="-285750" fontAlgn="base">
+              <a:buFont typeface="Arial" panose="020B0604020202020204" pitchFamily="34" charset="0"/>
+              <a:buChar char="•"/>
+            </a:pPr>
+            <a:r>
+              <a:rPr lang="en-US" sz="1400" dirty="0"/>
+              <a:t>But it is not only money that is lost due to OOS situations.</a:t>
+            </a:r>
+          </a:p>
+          <a:p>
+            <a:pPr marL="742950" lvl="1" indent="-285750" fontAlgn="base">
+              <a:buFont typeface="Wingdings" panose="05000000000000000000" pitchFamily="2" charset="2"/>
+              <a:buChar char="v"/>
+            </a:pPr>
+            <a:r>
+              <a:rPr lang="en-US" sz="1400" dirty="0"/>
+              <a:t>Customer </a:t>
+            </a:r>
+            <a:r>
+              <a:rPr lang="en-US" sz="1400" b="1" dirty="0"/>
+              <a:t>loyalty</a:t>
+            </a:r>
+            <a:r>
+              <a:rPr lang="en-US" sz="1400" dirty="0"/>
+              <a:t> towards a brand or a store can be severely damaged.</a:t>
+            </a:r>
+          </a:p>
+          <a:p>
+            <a:pPr marL="742950" lvl="1" indent="-285750" fontAlgn="base">
+              <a:buFont typeface="Wingdings" panose="05000000000000000000" pitchFamily="2" charset="2"/>
+              <a:buChar char="v"/>
+            </a:pPr>
+            <a:r>
+              <a:rPr lang="en-US" sz="1400" dirty="0"/>
+              <a:t>Carefully planned promotions </a:t>
+            </a:r>
+            <a:r>
+              <a:rPr lang="en-US" sz="1400" b="1" dirty="0"/>
+              <a:t>lose impact</a:t>
+            </a:r>
+            <a:r>
+              <a:rPr lang="en-US" sz="1400" dirty="0"/>
+              <a:t> when the product isn’t available for purchase.</a:t>
+            </a:r>
+          </a:p>
+          <a:p>
+            <a:pPr marL="742950" lvl="1" indent="-285750" fontAlgn="base">
+              <a:buFont typeface="Wingdings" panose="05000000000000000000" pitchFamily="2" charset="2"/>
+              <a:buChar char="v"/>
+            </a:pPr>
+            <a:r>
+              <a:rPr lang="en-US" sz="1400" dirty="0"/>
+              <a:t>Extra </a:t>
+            </a:r>
+            <a:r>
+              <a:rPr lang="en-US" sz="1400" b="1" dirty="0"/>
+              <a:t>time</a:t>
+            </a:r>
+            <a:r>
+              <a:rPr lang="en-US" sz="1400" dirty="0"/>
+              <a:t> and </a:t>
+            </a:r>
+            <a:r>
+              <a:rPr lang="en-US" sz="1400" b="1" dirty="0"/>
+              <a:t>resources</a:t>
+            </a:r>
+            <a:r>
+              <a:rPr lang="en-US" sz="1400" dirty="0"/>
+              <a:t> become necessary for additional ordering and intensified auditing.</a:t>
+            </a:r>
+          </a:p>
+          <a:p>
+            <a:pPr marL="742950" lvl="1" indent="-285750">
+              <a:buFont typeface="Wingdings" panose="05000000000000000000" pitchFamily="2" charset="2"/>
+              <a:buChar char="v"/>
+            </a:pPr>
+            <a:endParaRPr lang="en-US" sz="1400" dirty="0">
+              <a:solidFill>
+                <a:schemeClr val="tx1">
+                  <a:lumMod val="95000"/>
+                  <a:lumOff val="5000"/>
+                </a:schemeClr>
+              </a:solidFill>
+            </a:endParaRPr>
+          </a:p>
+        </p:txBody>
+      </p:sp>
     </p:spTree>
     <p:extLst>
       <p:ext uri="{BB962C8B-B14F-4D97-AF65-F5344CB8AC3E}">
@@ -4229,6 +4074,225 @@
         <p:txBody>
           <a:bodyPr rtlCol="0" anchor="ctr"/>
           <a:lstStyle/>
+          <a:p>
+            <a:pPr marL="285750" indent="-285750">
+              <a:buFont typeface="Arial" panose="020B0604020202020204" pitchFamily="34" charset="0"/>
+              <a:buChar char="•"/>
+            </a:pPr>
+            <a:r>
+              <a:rPr lang="en-US" sz="1200" dirty="0">
+                <a:solidFill>
+                  <a:schemeClr val="tx1">
+                    <a:lumMod val="95000"/>
+                    <a:lumOff val="5000"/>
+                  </a:schemeClr>
+                </a:solidFill>
+              </a:rPr>
+              <a:t>Reconciling disparities in item counts</a:t>
+            </a:r>
+          </a:p>
+          <a:p>
+            <a:pPr marL="742950" lvl="1" indent="-285750">
+              <a:buFont typeface="Wingdings" panose="05000000000000000000" pitchFamily="2" charset="2"/>
+              <a:buChar char="v"/>
+            </a:pPr>
+            <a:r>
+              <a:rPr lang="en-US" sz="1200" dirty="0">
+                <a:solidFill>
+                  <a:schemeClr val="tx1">
+                    <a:lumMod val="95000"/>
+                    <a:lumOff val="5000"/>
+                  </a:schemeClr>
+                </a:solidFill>
+              </a:rPr>
+              <a:t>if a specific product is selling much faster at one store than another, retailers can quickly see this trend and move stock from their warehouse or another retail location to meet that demand.</a:t>
+            </a:r>
+          </a:p>
+          <a:p>
+            <a:pPr marL="285750" indent="-285750">
+              <a:buFont typeface="Arial" panose="020B0604020202020204" pitchFamily="34" charset="0"/>
+              <a:buChar char="•"/>
+            </a:pPr>
+            <a:r>
+              <a:rPr lang="en-US" sz="1200" dirty="0">
+                <a:solidFill>
+                  <a:schemeClr val="tx1">
+                    <a:lumMod val="95000"/>
+                    <a:lumOff val="5000"/>
+                  </a:schemeClr>
+                </a:solidFill>
+              </a:rPr>
+              <a:t>Forecasting demand more accurately</a:t>
+            </a:r>
+          </a:p>
+          <a:p>
+            <a:pPr marL="742950" lvl="1" indent="-285750">
+              <a:buFont typeface="Wingdings" panose="05000000000000000000" pitchFamily="2" charset="2"/>
+              <a:buChar char="v"/>
+            </a:pPr>
+            <a:r>
+              <a:rPr lang="en-US" sz="1200" b="1" dirty="0">
+                <a:solidFill>
+                  <a:schemeClr val="tx1">
+                    <a:lumMod val="95000"/>
+                    <a:lumOff val="5000"/>
+                  </a:schemeClr>
+                </a:solidFill>
+              </a:rPr>
+              <a:t>safety stock volume = (Maximum daily sales * maximum lead time in days) - (average lead time in days * average daily sales)  </a:t>
+            </a:r>
+            <a:endParaRPr lang="en-US" sz="1200" dirty="0">
+              <a:solidFill>
+                <a:schemeClr val="tx1">
+                  <a:lumMod val="95000"/>
+                  <a:lumOff val="5000"/>
+                </a:schemeClr>
+              </a:solidFill>
+            </a:endParaRPr>
+          </a:p>
+          <a:p>
+            <a:pPr marL="285750" indent="-285750">
+              <a:buFont typeface="Arial" panose="020B0604020202020204" pitchFamily="34" charset="0"/>
+              <a:buChar char="•"/>
+            </a:pPr>
+            <a:r>
+              <a:rPr lang="en-US" sz="1200" dirty="0">
+                <a:solidFill>
+                  <a:schemeClr val="tx1">
+                    <a:lumMod val="95000"/>
+                    <a:lumOff val="5000"/>
+                  </a:schemeClr>
+                </a:solidFill>
+              </a:rPr>
+              <a:t>Managing logistical challenges</a:t>
+            </a:r>
+          </a:p>
+          <a:p>
+            <a:pPr marL="742950" lvl="1" indent="-285750">
+              <a:buFont typeface="Wingdings" panose="05000000000000000000" pitchFamily="2" charset="2"/>
+              <a:buChar char="v"/>
+            </a:pPr>
+            <a:r>
+              <a:rPr lang="en-IN" sz="1200" dirty="0">
+                <a:solidFill>
+                  <a:schemeClr val="tx1">
+                    <a:lumMod val="95000"/>
+                    <a:lumOff val="5000"/>
+                  </a:schemeClr>
+                </a:solidFill>
+              </a:rPr>
+              <a:t>D</a:t>
+            </a:r>
+            <a:r>
+              <a:rPr lang="en-US" sz="1200" dirty="0" err="1">
+                <a:solidFill>
+                  <a:schemeClr val="tx1">
+                    <a:lumMod val="95000"/>
+                    <a:lumOff val="5000"/>
+                  </a:schemeClr>
+                </a:solidFill>
+              </a:rPr>
+              <a:t>epends</a:t>
+            </a:r>
+            <a:r>
+              <a:rPr lang="en-US" sz="1200" dirty="0">
+                <a:solidFill>
+                  <a:schemeClr val="tx1">
+                    <a:lumMod val="95000"/>
+                    <a:lumOff val="5000"/>
+                  </a:schemeClr>
+                </a:solidFill>
+              </a:rPr>
+              <a:t> on technology or handled manually</a:t>
+            </a:r>
+          </a:p>
+          <a:p>
+            <a:pPr marL="742950" lvl="1" indent="-285750">
+              <a:buFont typeface="Wingdings" panose="05000000000000000000" pitchFamily="2" charset="2"/>
+              <a:buChar char="v"/>
+            </a:pPr>
+            <a:r>
+              <a:rPr lang="en-IN" sz="1200" dirty="0">
+                <a:solidFill>
+                  <a:schemeClr val="tx1">
+                    <a:lumMod val="95000"/>
+                    <a:lumOff val="5000"/>
+                  </a:schemeClr>
+                </a:solidFill>
+              </a:rPr>
+              <a:t>L</a:t>
+            </a:r>
+            <a:r>
+              <a:rPr lang="en-US" sz="1200" dirty="0" err="1">
+                <a:solidFill>
+                  <a:schemeClr val="tx1">
+                    <a:lumMod val="95000"/>
+                    <a:lumOff val="5000"/>
+                  </a:schemeClr>
+                </a:solidFill>
+              </a:rPr>
+              <a:t>ess</a:t>
+            </a:r>
+            <a:r>
+              <a:rPr lang="en-US" sz="1200" dirty="0">
+                <a:solidFill>
+                  <a:schemeClr val="tx1">
+                    <a:lumMod val="95000"/>
+                    <a:lumOff val="5000"/>
+                  </a:schemeClr>
+                </a:solidFill>
+              </a:rPr>
+              <a:t>-than-truckload shipping offer smaller, more frequent deliveries.</a:t>
+            </a:r>
+          </a:p>
+          <a:p>
+            <a:pPr marL="742950" lvl="1" indent="-285750">
+              <a:buFont typeface="Wingdings" panose="05000000000000000000" pitchFamily="2" charset="2"/>
+              <a:buChar char="v"/>
+            </a:pPr>
+            <a:r>
+              <a:rPr lang="en-IN" sz="1200" dirty="0">
+                <a:solidFill>
+                  <a:schemeClr val="tx1">
+                    <a:lumMod val="95000"/>
+                    <a:lumOff val="5000"/>
+                  </a:schemeClr>
+                </a:solidFill>
+              </a:rPr>
+              <a:t>S</a:t>
+            </a:r>
+            <a:r>
+              <a:rPr lang="en-US" sz="1200" dirty="0">
+                <a:solidFill>
+                  <a:schemeClr val="tx1">
+                    <a:lumMod val="95000"/>
+                    <a:lumOff val="5000"/>
+                  </a:schemeClr>
+                </a:solidFill>
+              </a:rPr>
+              <a:t>hipped to customer directly from manufacturer.</a:t>
+            </a:r>
+          </a:p>
+          <a:p>
+            <a:pPr marL="742950" lvl="1" indent="-285750">
+              <a:buFont typeface="Wingdings" panose="05000000000000000000" pitchFamily="2" charset="2"/>
+              <a:buChar char="v"/>
+            </a:pPr>
+            <a:r>
+              <a:rPr lang="en-US" sz="1200">
+                <a:hlinkClick r:id="rId2"/>
+              </a:rPr>
+              <a:t>https://streetspotr.com/2017/08/14/out-of-stock/</a:t>
+            </a:r>
+            <a:endParaRPr lang="en-US" sz="1200" dirty="0">
+              <a:solidFill>
+                <a:schemeClr val="tx1">
+                  <a:lumMod val="95000"/>
+                  <a:lumOff val="5000"/>
+                </a:schemeClr>
+              </a:solidFill>
+            </a:endParaRPr>
+          </a:p>
           <a:p>
             <a:pPr algn="ctr"/>
             <a:endParaRPr lang="en-US" dirty="0">
@@ -5722,7 +5786,7 @@
           <p:nvPr/>
         </p:nvPicPr>
         <p:blipFill>
-          <a:blip r:embed="rId2">
+          <a:blip r:embed="rId3">
             <a:extLst>
               <a:ext uri="{28A0092B-C50C-407E-A947-70E740481C1C}">
                 <a14:useLocalDpi xmlns:a14="http://schemas.microsoft.com/office/drawing/2010/main" val="0"/>
@@ -5838,7 +5902,7 @@
               <p:nvPr/>
             </p:nvPicPr>
             <p:blipFill>
-              <a:blip r:embed="rId3">
+              <a:blip r:embed="rId4">
                 <a:extLst>
                   <a:ext uri="{28A0092B-C50C-407E-A947-70E740481C1C}">
                     <a14:useLocalDpi xmlns:a14="http://schemas.microsoft.com/office/drawing/2010/main" val="0"/>
@@ -6068,7 +6132,7 @@
               <p:nvPr/>
             </p:nvPicPr>
             <p:blipFill>
-              <a:blip r:embed="rId4"/>
+              <a:blip r:embed="rId5"/>
               <a:stretch>
                 <a:fillRect/>
               </a:stretch>
@@ -6098,7 +6162,7 @@
               <p:nvPr/>
             </p:nvPicPr>
             <p:blipFill>
-              <a:blip r:embed="rId5"/>
+              <a:blip r:embed="rId6"/>
               <a:stretch>
                 <a:fillRect/>
               </a:stretch>
@@ -6128,7 +6192,7 @@
               <p:nvPr/>
             </p:nvPicPr>
             <p:blipFill>
-              <a:blip r:embed="rId6"/>
+              <a:blip r:embed="rId7"/>
               <a:stretch>
                 <a:fillRect/>
               </a:stretch>

--- a/P_and_G_modified_R.pptx
+++ b/P_and_G_modified_R.pptx
@@ -2988,65 +2988,6 @@
       </p:grpSpPr>
       <p:sp>
         <p:nvSpPr>
-          <p:cNvPr id="15" name="Rectangle 14">
-            <a:extLst>
-              <a:ext uri="{FF2B5EF4-FFF2-40B4-BE49-F238E27FC236}">
-                <a16:creationId xmlns:a16="http://schemas.microsoft.com/office/drawing/2014/main" id="{6A9194FB-080E-49A8-B86A-E119BEB097F8}"/>
-              </a:ext>
-            </a:extLst>
-          </p:cNvPr>
-          <p:cNvSpPr/>
-          <p:nvPr/>
-        </p:nvSpPr>
-        <p:spPr>
-          <a:xfrm>
-            <a:off x="5961883" y="344870"/>
-            <a:ext cx="6220879" cy="6424813"/>
-          </a:xfrm>
-          <a:prstGeom prst="rect">
-            <a:avLst/>
-          </a:prstGeom>
-          <a:solidFill>
-            <a:schemeClr val="bg2"/>
-          </a:solidFill>
-        </p:spPr>
-        <p:style>
-          <a:lnRef idx="2">
-            <a:schemeClr val="accent1">
-              <a:shade val="50000"/>
-            </a:schemeClr>
-          </a:lnRef>
-          <a:fillRef idx="1">
-            <a:schemeClr val="accent1"/>
-          </a:fillRef>
-          <a:effectRef idx="0">
-            <a:schemeClr val="accent1"/>
-          </a:effectRef>
-          <a:fontRef idx="minor">
-            <a:schemeClr val="lt1"/>
-          </a:fontRef>
-        </p:style>
-        <p:txBody>
-          <a:bodyPr rtlCol="0" anchor="ctr"/>
-          <a:lstStyle/>
-          <a:p>
-            <a:pPr marL="742950" lvl="1" indent="-285750">
-              <a:buFont typeface="Wingdings" panose="05000000000000000000" pitchFamily="2" charset="2"/>
-              <a:buChar char="v"/>
-            </a:pPr>
-            <a:endParaRPr lang="en-US" sz="1700" dirty="0">
-              <a:solidFill>
-                <a:schemeClr val="tx1">
-                  <a:lumMod val="95000"/>
-                  <a:lumOff val="5000"/>
-                </a:schemeClr>
-              </a:solidFill>
-            </a:endParaRPr>
-          </a:p>
-        </p:txBody>
-      </p:sp>
-      <p:sp>
-        <p:nvSpPr>
           <p:cNvPr id="13" name="Rectangle 12">
             <a:extLst>
               <a:ext uri="{FF2B5EF4-FFF2-40B4-BE49-F238E27FC236}">
@@ -3294,7 +3235,7 @@
                   <a:schemeClr val="tx1"/>
                 </a:solidFill>
               </a:rPr>
-              <a:t> is not purchasable in the exact moment</a:t>
+              <a:t> is not purchasable in the exact moment.</a:t>
             </a:r>
           </a:p>
           <a:p>
@@ -3308,7 +3249,7 @@
                   <a:schemeClr val="tx1"/>
                 </a:solidFill>
               </a:rPr>
-              <a:t>There are 5 Major causes of OOS</a:t>
+              <a:t>There are 7 Major causes of OOS</a:t>
             </a:r>
             <a:endParaRPr lang="en-US" sz="1600" dirty="0">
               <a:solidFill>
@@ -3795,8 +3736,8 @@
         </p:blipFill>
         <p:spPr>
           <a:xfrm>
-            <a:off x="9655812" y="3214382"/>
-            <a:ext cx="2429360" cy="2299730"/>
+            <a:off x="9655812" y="3276600"/>
+            <a:ext cx="1760333" cy="1666402"/>
           </a:xfrm>
           <a:prstGeom prst="rect">
             <a:avLst/>
@@ -3950,6 +3891,100 @@
           </a:p>
         </p:txBody>
       </p:sp>
+      <p:pic>
+        <p:nvPicPr>
+          <p:cNvPr id="1036" name="Picture 12" descr="https://streetspotr.com/wp-content/uploads/2017/08/Out-of-Stock_Communication-Problem-1.jpg">
+            <a:extLst>
+              <a:ext uri="{FF2B5EF4-FFF2-40B4-BE49-F238E27FC236}">
+                <a16:creationId xmlns:a16="http://schemas.microsoft.com/office/drawing/2014/main" id="{C9CC00D7-77B5-46A0-BB3B-93B8D1AF6E86}"/>
+              </a:ext>
+            </a:extLst>
+          </p:cNvPr>
+          <p:cNvPicPr>
+            <a:picLocks noChangeAspect="1" noChangeArrowheads="1"/>
+          </p:cNvPicPr>
+          <p:nvPr/>
+        </p:nvPicPr>
+        <p:blipFill>
+          <a:blip r:embed="rId6" cstate="print">
+            <a:extLst>
+              <a:ext uri="{28A0092B-C50C-407E-A947-70E740481C1C}">
+                <a14:useLocalDpi xmlns:a14="http://schemas.microsoft.com/office/drawing/2010/main" val="0"/>
+              </a:ext>
+            </a:extLst>
+          </a:blip>
+          <a:srcRect/>
+          <a:stretch>
+            <a:fillRect/>
+          </a:stretch>
+        </p:blipFill>
+        <p:spPr bwMode="auto">
+          <a:xfrm>
+            <a:off x="9350320" y="5065986"/>
+            <a:ext cx="2371315" cy="1487707"/>
+          </a:xfrm>
+          <a:prstGeom prst="rect">
+            <a:avLst/>
+          </a:prstGeom>
+          <a:noFill/>
+          <a:extLst>
+            <a:ext uri="{909E8E84-426E-40DD-AFC4-6F175D3DCCD1}">
+              <a14:hiddenFill xmlns:a14="http://schemas.microsoft.com/office/drawing/2010/main">
+                <a:solidFill>
+                  <a:srgbClr val="FFFFFF"/>
+                </a:solidFill>
+              </a14:hiddenFill>
+            </a:ext>
+          </a:extLst>
+        </p:spPr>
+      </p:pic>
+      <p:pic>
+        <p:nvPicPr>
+          <p:cNvPr id="1038" name="Picture 14" descr="Retail Round-Up: Out-of-Stocks: Problems &amp; Solutions | Accelerated ...">
+            <a:extLst>
+              <a:ext uri="{FF2B5EF4-FFF2-40B4-BE49-F238E27FC236}">
+                <a16:creationId xmlns:a16="http://schemas.microsoft.com/office/drawing/2014/main" id="{8E64D32C-C65A-485B-9C9B-84C5722141AB}"/>
+              </a:ext>
+            </a:extLst>
+          </p:cNvPr>
+          <p:cNvPicPr>
+            <a:picLocks noChangeAspect="1" noChangeArrowheads="1"/>
+          </p:cNvPicPr>
+          <p:nvPr/>
+        </p:nvPicPr>
+        <p:blipFill>
+          <a:blip r:embed="rId7">
+            <a:extLst>
+              <a:ext uri="{28A0092B-C50C-407E-A947-70E740481C1C}">
+                <a14:useLocalDpi xmlns:a14="http://schemas.microsoft.com/office/drawing/2010/main" val="0"/>
+              </a:ext>
+            </a:extLst>
+          </a:blip>
+          <a:srcRect/>
+          <a:stretch>
+            <a:fillRect/>
+          </a:stretch>
+        </p:blipFill>
+        <p:spPr bwMode="auto">
+          <a:xfrm>
+            <a:off x="1492665" y="3981723"/>
+            <a:ext cx="3892207" cy="2571970"/>
+          </a:xfrm>
+          <a:prstGeom prst="rect">
+            <a:avLst/>
+          </a:prstGeom>
+          <a:noFill/>
+          <a:extLst>
+            <a:ext uri="{909E8E84-426E-40DD-AFC4-6F175D3DCCD1}">
+              <a14:hiddenFill xmlns:a14="http://schemas.microsoft.com/office/drawing/2010/main">
+                <a:solidFill>
+                  <a:srgbClr val="FFFFFF"/>
+                </a:solidFill>
+              </a14:hiddenFill>
+            </a:ext>
+          </a:extLst>
+        </p:spPr>
+      </p:pic>
     </p:spTree>
     <p:extLst>
       <p:ext uri="{BB962C8B-B14F-4D97-AF65-F5344CB8AC3E}">
@@ -4279,7 +4314,7 @@
               <a:buChar char="v"/>
             </a:pPr>
             <a:r>
-              <a:rPr lang="en-US" sz="1200">
+              <a:rPr lang="en-US" sz="1200" dirty="0">
                 <a:hlinkClick r:id="rId2"/>
               </a:rPr>
               <a:t>https://streetspotr.com/2017/08/14/out-of-stock/</a:t>

--- a/P_and_G_modified_R.pptx
+++ b/P_and_G_modified_R.pptx
@@ -3000,8 +3000,8 @@
         </p:nvSpPr>
         <p:spPr>
           <a:xfrm>
-            <a:off x="1" y="418761"/>
-            <a:ext cx="5971119" cy="6424813"/>
+            <a:off x="39970" y="408977"/>
+            <a:ext cx="5931150" cy="6434598"/>
           </a:xfrm>
           <a:prstGeom prst="rect">
             <a:avLst/>
@@ -3615,7 +3615,7 @@
         </p:blipFill>
         <p:spPr bwMode="auto">
           <a:xfrm>
-            <a:off x="6372440" y="880426"/>
+            <a:off x="6372440" y="901447"/>
             <a:ext cx="5346898" cy="2186328"/>
           </a:xfrm>
           <a:prstGeom prst="rect">
@@ -3893,10 +3893,10 @@
       </p:sp>
       <p:pic>
         <p:nvPicPr>
-          <p:cNvPr id="1036" name="Picture 12" descr="https://streetspotr.com/wp-content/uploads/2017/08/Out-of-Stock_Communication-Problem-1.jpg">
+          <p:cNvPr id="1040" name="Picture 16" descr="Retailers out of stock">
             <a:extLst>
               <a:ext uri="{FF2B5EF4-FFF2-40B4-BE49-F238E27FC236}">
-                <a16:creationId xmlns:a16="http://schemas.microsoft.com/office/drawing/2014/main" id="{C9CC00D7-77B5-46A0-BB3B-93B8D1AF6E86}"/>
+                <a16:creationId xmlns:a16="http://schemas.microsoft.com/office/drawing/2014/main" id="{7ABB0730-F0AD-4124-BE6B-CFC1C3AE1D4B}"/>
               </a:ext>
             </a:extLst>
           </p:cNvPr>
@@ -3906,7 +3906,7 @@
           <p:nvPr/>
         </p:nvPicPr>
         <p:blipFill>
-          <a:blip r:embed="rId6" cstate="print">
+          <a:blip r:embed="rId6">
             <a:extLst>
               <a:ext uri="{28A0092B-C50C-407E-A947-70E740481C1C}">
                 <a14:useLocalDpi xmlns:a14="http://schemas.microsoft.com/office/drawing/2010/main" val="0"/>
@@ -3920,8 +3920,8 @@
         </p:blipFill>
         <p:spPr bwMode="auto">
           <a:xfrm>
-            <a:off x="9350320" y="5065986"/>
-            <a:ext cx="2371315" cy="1487707"/>
+            <a:off x="125604" y="3642054"/>
+            <a:ext cx="3510738" cy="2635805"/>
           </a:xfrm>
           <a:prstGeom prst="rect">
             <a:avLst/>
@@ -3940,10 +3940,10 @@
       </p:pic>
       <p:pic>
         <p:nvPicPr>
-          <p:cNvPr id="1038" name="Picture 14" descr="Retail Round-Up: Out-of-Stocks: Problems &amp; Solutions | Accelerated ...">
+          <p:cNvPr id="1044" name="Picture 20" descr="A simple example of the inventory routing problem.">
             <a:extLst>
               <a:ext uri="{FF2B5EF4-FFF2-40B4-BE49-F238E27FC236}">
-                <a16:creationId xmlns:a16="http://schemas.microsoft.com/office/drawing/2014/main" id="{8E64D32C-C65A-485B-9C9B-84C5722141AB}"/>
+                <a16:creationId xmlns:a16="http://schemas.microsoft.com/office/drawing/2014/main" id="{6A575C50-4FFF-4EB2-B2FC-54CB71980BD9}"/>
               </a:ext>
             </a:extLst>
           </p:cNvPr>
@@ -3967,8 +3967,8 @@
         </p:blipFill>
         <p:spPr bwMode="auto">
           <a:xfrm>
-            <a:off x="1492665" y="3981723"/>
-            <a:ext cx="3892207" cy="2571970"/>
+            <a:off x="4388267" y="3303788"/>
+            <a:ext cx="4974355" cy="3312335"/>
           </a:xfrm>
           <a:prstGeom prst="rect">
             <a:avLst/>
@@ -7241,6 +7241,100 @@
           </a:prstGeom>
         </p:spPr>
       </p:pic>
+      <p:pic>
+        <p:nvPicPr>
+          <p:cNvPr id="2050" name="Picture 2" descr="Visual overview of our simheuristic approach.">
+            <a:extLst>
+              <a:ext uri="{FF2B5EF4-FFF2-40B4-BE49-F238E27FC236}">
+                <a16:creationId xmlns:a16="http://schemas.microsoft.com/office/drawing/2014/main" id="{78BABC8F-08B9-4B62-B09E-B8E89370CF51}"/>
+              </a:ext>
+            </a:extLst>
+          </p:cNvPr>
+          <p:cNvPicPr>
+            <a:picLocks noChangeAspect="1" noChangeArrowheads="1"/>
+          </p:cNvPicPr>
+          <p:nvPr/>
+        </p:nvPicPr>
+        <p:blipFill>
+          <a:blip r:embed="rId4">
+            <a:extLst>
+              <a:ext uri="{28A0092B-C50C-407E-A947-70E740481C1C}">
+                <a14:useLocalDpi xmlns:a14="http://schemas.microsoft.com/office/drawing/2010/main" val="0"/>
+              </a:ext>
+            </a:extLst>
+          </a:blip>
+          <a:srcRect/>
+          <a:stretch>
+            <a:fillRect/>
+          </a:stretch>
+        </p:blipFill>
+        <p:spPr bwMode="auto">
+          <a:xfrm>
+            <a:off x="8235101" y="1485578"/>
+            <a:ext cx="3162985" cy="4153221"/>
+          </a:xfrm>
+          <a:prstGeom prst="rect">
+            <a:avLst/>
+          </a:prstGeom>
+          <a:noFill/>
+          <a:extLst>
+            <a:ext uri="{909E8E84-426E-40DD-AFC4-6F175D3DCCD1}">
+              <a14:hiddenFill xmlns:a14="http://schemas.microsoft.com/office/drawing/2010/main">
+                <a:solidFill>
+                  <a:srgbClr val="FFFFFF"/>
+                </a:solidFill>
+              </a14:hiddenFill>
+            </a:ext>
+          </a:extLst>
+        </p:spPr>
+      </p:pic>
+      <p:pic>
+        <p:nvPicPr>
+          <p:cNvPr id="2052" name="Picture 4" descr="https://3.bp.blogspot.com/-8vRui0zI6j4/XHnDzBc449I/AAAAAAAAp7s/DqMPV2tBtHQ9SPvAeeaoG0z567926oq4ACLcBGAs/s320/OOS-what-to-do.JPG">
+            <a:extLst>
+              <a:ext uri="{FF2B5EF4-FFF2-40B4-BE49-F238E27FC236}">
+                <a16:creationId xmlns:a16="http://schemas.microsoft.com/office/drawing/2014/main" id="{60AF5B97-7D31-43AD-B355-0BB6FA9E54FF}"/>
+              </a:ext>
+            </a:extLst>
+          </p:cNvPr>
+          <p:cNvPicPr>
+            <a:picLocks noChangeAspect="1" noChangeArrowheads="1"/>
+          </p:cNvPicPr>
+          <p:nvPr/>
+        </p:nvPicPr>
+        <p:blipFill>
+          <a:blip r:embed="rId5">
+            <a:extLst>
+              <a:ext uri="{28A0092B-C50C-407E-A947-70E740481C1C}">
+                <a14:useLocalDpi xmlns:a14="http://schemas.microsoft.com/office/drawing/2010/main" val="0"/>
+              </a:ext>
+            </a:extLst>
+          </a:blip>
+          <a:srcRect/>
+          <a:stretch>
+            <a:fillRect/>
+          </a:stretch>
+        </p:blipFill>
+        <p:spPr bwMode="auto">
+          <a:xfrm>
+            <a:off x="787283" y="1617279"/>
+            <a:ext cx="3048000" cy="2971800"/>
+          </a:xfrm>
+          <a:prstGeom prst="rect">
+            <a:avLst/>
+          </a:prstGeom>
+          <a:noFill/>
+          <a:extLst>
+            <a:ext uri="{909E8E84-426E-40DD-AFC4-6F175D3DCCD1}">
+              <a14:hiddenFill xmlns:a14="http://schemas.microsoft.com/office/drawing/2010/main">
+                <a:solidFill>
+                  <a:srgbClr val="FFFFFF"/>
+                </a:solidFill>
+              </a14:hiddenFill>
+            </a:ext>
+          </a:extLst>
+        </p:spPr>
+      </p:pic>
     </p:spTree>
     <p:extLst>
       <p:ext uri="{BB962C8B-B14F-4D97-AF65-F5344CB8AC3E}">
